--- a/2 - Info/Notesort presentation.pptx
+++ b/2 - Info/Notesort presentation.pptx
@@ -10627,8 +10627,8 @@
       </p:transition>
     </mc:Fallback>
   </mc:AlternateContent>
-  <mc:AlternateContent xmlns:mc="http://schemas.openxmlformats.org/markup-compatibility/2006">
-    <mc:Choice xmlns:p14="http://schemas.microsoft.com/office/powerpoint/2010/main" Requires="p14">
+  <mc:AlternateContent xmlns:mc="http://schemas.openxmlformats.org/markup-compatibility/2006" xmlns:p14="http://schemas.microsoft.com/office/powerpoint/2010/main">
+    <mc:Choice Requires="p14">
       <p:timing>
         <p:tnLst>
           <p:par>
@@ -11506,7 +11506,7 @@
         </p:bldLst>
       </p:timing>
     </mc:Choice>
-    <mc:Fallback>
+    <mc:Fallback xmlns="">
       <p:timing>
         <p:tnLst>
           <p:par>

--- a/2 - Info/Notesort presentation.pptx
+++ b/2 - Info/Notesort presentation.pptx
@@ -10,7 +10,8 @@
     <p:sldId id="268" r:id="rId4"/>
     <p:sldId id="279" r:id="rId5"/>
     <p:sldId id="309" r:id="rId6"/>
-    <p:sldId id="323" r:id="rId7"/>
+    <p:sldId id="325" r:id="rId7"/>
+    <p:sldId id="323" r:id="rId8"/>
   </p:sldIdLst>
   <p:sldSz cx="12192000" cy="6858000"/>
   <p:notesSz cx="6858000" cy="9144000"/>
@@ -12638,6 +12639,85 @@
       </p:grpSpPr>
       <p:sp>
         <p:nvSpPr>
+          <p:cNvPr id="28" name="Text Placeholder 27">
+            <a:extLst>
+              <a:ext uri="{FF2B5EF4-FFF2-40B4-BE49-F238E27FC236}">
+                <a16:creationId xmlns:a16="http://schemas.microsoft.com/office/drawing/2014/main" id="{DB49EC7C-3FF2-4661-98F5-83B2D8A96317}"/>
+              </a:ext>
+            </a:extLst>
+          </p:cNvPr>
+          <p:cNvSpPr>
+            <a:spLocks noGrp="1"/>
+          </p:cNvSpPr>
+          <p:nvPr>
+            <p:ph type="body" sz="quarter" idx="10"/>
+          </p:nvPr>
+        </p:nvSpPr>
+        <p:spPr>
+          <a:xfrm>
+            <a:off x="414444" y="446218"/>
+            <a:ext cx="11363111" cy="868846"/>
+          </a:xfrm>
+        </p:spPr>
+        <p:txBody>
+          <a:bodyPr/>
+          <a:lstStyle/>
+          <a:p>
+            <a:r>
+              <a:rPr lang="da-DK" sz="6600" dirty="0">
+                <a:solidFill>
+                  <a:schemeClr val="accent1"/>
+                </a:solidFill>
+              </a:rPr>
+              <a:t>Fremtidige forbedringer</a:t>
+            </a:r>
+          </a:p>
+        </p:txBody>
+      </p:sp>
+    </p:spTree>
+    <p:extLst>
+      <p:ext uri="{BB962C8B-B14F-4D97-AF65-F5344CB8AC3E}">
+        <p14:creationId xmlns:p14="http://schemas.microsoft.com/office/powerpoint/2010/main" val="2159174528"/>
+      </p:ext>
+    </p:extLst>
+  </p:cSld>
+  <p:clrMapOvr>
+    <a:masterClrMapping/>
+  </p:clrMapOvr>
+  <mc:AlternateContent xmlns:mc="http://schemas.openxmlformats.org/markup-compatibility/2006" xmlns:p14="http://schemas.microsoft.com/office/powerpoint/2010/main">
+    <mc:Choice Requires="p14">
+      <p:transition spd="med" p14:dur="700">
+        <p:fade/>
+      </p:transition>
+    </mc:Choice>
+    <mc:Fallback xmlns="">
+      <p:transition spd="med">
+        <p:fade/>
+      </p:transition>
+    </mc:Fallback>
+  </mc:AlternateContent>
+</p:sld>
+</file>
+
+<file path=ppt/slides/slide7.xml><?xml version="1.0" encoding="utf-8"?>
+<p:sld xmlns:a="http://schemas.openxmlformats.org/drawingml/2006/main" xmlns:r="http://schemas.openxmlformats.org/officeDocument/2006/relationships" xmlns:p="http://schemas.openxmlformats.org/presentationml/2006/main">
+  <p:cSld>
+    <p:spTree>
+      <p:nvGrpSpPr>
+        <p:cNvPr id="1" name=""/>
+        <p:cNvGrpSpPr/>
+        <p:nvPr/>
+      </p:nvGrpSpPr>
+      <p:grpSpPr>
+        <a:xfrm>
+          <a:off x="0" y="0"/>
+          <a:ext cx="0" cy="0"/>
+          <a:chOff x="0" y="0"/>
+          <a:chExt cx="0" cy="0"/>
+        </a:xfrm>
+      </p:grpSpPr>
+      <p:sp>
+        <p:nvSpPr>
           <p:cNvPr id="29" name="Text Placeholder 28">
             <a:extLst>
               <a:ext uri="{FF2B5EF4-FFF2-40B4-BE49-F238E27FC236}">

--- a/2 - Info/Notesort presentation.pptx
+++ b/2 - Info/Notesort presentation.pptx
@@ -4,6 +4,9 @@
   <p:sldMasterIdLst>
     <p:sldMasterId id="2147483674" r:id="rId1"/>
   </p:sldMasterIdLst>
+  <p:notesMasterIdLst>
+    <p:notesMasterId r:id="rId9"/>
+  </p:notesMasterIdLst>
   <p:sldIdLst>
     <p:sldId id="324" r:id="rId2"/>
     <p:sldId id="261" r:id="rId3"/>
@@ -147,6 +150,356 @@
     </p:ext>
   </p:extLst>
 </p:presentation>
+</file>
+
+<file path=ppt/notesMasters/notesMaster1.xml><?xml version="1.0" encoding="utf-8"?>
+<p:notesMaster xmlns:a="http://schemas.openxmlformats.org/drawingml/2006/main" xmlns:r="http://schemas.openxmlformats.org/officeDocument/2006/relationships" xmlns:p="http://schemas.openxmlformats.org/presentationml/2006/main">
+  <p:cSld>
+    <p:bg>
+      <p:bgRef idx="1001">
+        <a:schemeClr val="bg1"/>
+      </p:bgRef>
+    </p:bg>
+    <p:spTree>
+      <p:nvGrpSpPr>
+        <p:cNvPr id="1" name=""/>
+        <p:cNvGrpSpPr/>
+        <p:nvPr/>
+      </p:nvGrpSpPr>
+      <p:grpSpPr>
+        <a:xfrm>
+          <a:off x="0" y="0"/>
+          <a:ext cx="0" cy="0"/>
+          <a:chOff x="0" y="0"/>
+          <a:chExt cx="0" cy="0"/>
+        </a:xfrm>
+      </p:grpSpPr>
+      <p:sp>
+        <p:nvSpPr>
+          <p:cNvPr id="2" name="Header Placeholder 1"/>
+          <p:cNvSpPr>
+            <a:spLocks noGrp="1"/>
+          </p:cNvSpPr>
+          <p:nvPr>
+            <p:ph type="hdr" sz="quarter"/>
+          </p:nvPr>
+        </p:nvSpPr>
+        <p:spPr>
+          <a:xfrm>
+            <a:off x="0" y="0"/>
+            <a:ext cx="2971800" cy="458788"/>
+          </a:xfrm>
+          <a:prstGeom prst="rect">
+            <a:avLst/>
+          </a:prstGeom>
+        </p:spPr>
+        <p:txBody>
+          <a:bodyPr vert="horz" lIns="91440" tIns="45720" rIns="91440" bIns="45720" rtlCol="0"/>
+          <a:lstStyle>
+            <a:lvl1pPr algn="l">
+              <a:defRPr sz="1200"/>
+            </a:lvl1pPr>
+          </a:lstStyle>
+          <a:p>
+            <a:endParaRPr lang="da-DK"/>
+          </a:p>
+        </p:txBody>
+      </p:sp>
+      <p:sp>
+        <p:nvSpPr>
+          <p:cNvPr id="3" name="Date Placeholder 2"/>
+          <p:cNvSpPr>
+            <a:spLocks noGrp="1"/>
+          </p:cNvSpPr>
+          <p:nvPr>
+            <p:ph type="dt" idx="1"/>
+          </p:nvPr>
+        </p:nvSpPr>
+        <p:spPr>
+          <a:xfrm>
+            <a:off x="3884613" y="0"/>
+            <a:ext cx="2971800" cy="458788"/>
+          </a:xfrm>
+          <a:prstGeom prst="rect">
+            <a:avLst/>
+          </a:prstGeom>
+        </p:spPr>
+        <p:txBody>
+          <a:bodyPr vert="horz" lIns="91440" tIns="45720" rIns="91440" bIns="45720" rtlCol="0"/>
+          <a:lstStyle>
+            <a:lvl1pPr algn="r">
+              <a:defRPr sz="1200"/>
+            </a:lvl1pPr>
+          </a:lstStyle>
+          <a:p>
+            <a:fld id="{CD2D63DA-F1A7-462C-BE44-8E8D77DA3BA5}" type="datetimeFigureOut">
+              <a:rPr lang="da-DK" smtClean="0"/>
+              <a:t>08-06-2020</a:t>
+            </a:fld>
+            <a:endParaRPr lang="da-DK"/>
+          </a:p>
+        </p:txBody>
+      </p:sp>
+      <p:sp>
+        <p:nvSpPr>
+          <p:cNvPr id="4" name="Slide Image Placeholder 3"/>
+          <p:cNvSpPr>
+            <a:spLocks noGrp="1" noRot="1" noChangeAspect="1"/>
+          </p:cNvSpPr>
+          <p:nvPr>
+            <p:ph type="sldImg" idx="2"/>
+          </p:nvPr>
+        </p:nvSpPr>
+        <p:spPr>
+          <a:xfrm>
+            <a:off x="685800" y="1143000"/>
+            <a:ext cx="5486400" cy="3086100"/>
+          </a:xfrm>
+          <a:prstGeom prst="rect">
+            <a:avLst/>
+          </a:prstGeom>
+          <a:noFill/>
+          <a:ln w="12700">
+            <a:solidFill>
+              <a:prstClr val="black"/>
+            </a:solidFill>
+          </a:ln>
+        </p:spPr>
+        <p:txBody>
+          <a:bodyPr vert="horz" lIns="91440" tIns="45720" rIns="91440" bIns="45720" rtlCol="0" anchor="ctr"/>
+          <a:lstStyle/>
+          <a:p>
+            <a:endParaRPr lang="da-DK"/>
+          </a:p>
+        </p:txBody>
+      </p:sp>
+      <p:sp>
+        <p:nvSpPr>
+          <p:cNvPr id="5" name="Notes Placeholder 4"/>
+          <p:cNvSpPr>
+            <a:spLocks noGrp="1"/>
+          </p:cNvSpPr>
+          <p:nvPr>
+            <p:ph type="body" sz="quarter" idx="3"/>
+          </p:nvPr>
+        </p:nvSpPr>
+        <p:spPr>
+          <a:xfrm>
+            <a:off x="685800" y="4400550"/>
+            <a:ext cx="5486400" cy="3600450"/>
+          </a:xfrm>
+          <a:prstGeom prst="rect">
+            <a:avLst/>
+          </a:prstGeom>
+        </p:spPr>
+        <p:txBody>
+          <a:bodyPr vert="horz" lIns="91440" tIns="45720" rIns="91440" bIns="45720" rtlCol="0"/>
+          <a:lstStyle/>
+          <a:p>
+            <a:pPr lvl="0"/>
+            <a:r>
+              <a:rPr lang="en-US"/>
+              <a:t>Click to edit Master text styles</a:t>
+            </a:r>
+          </a:p>
+          <a:p>
+            <a:pPr lvl="1"/>
+            <a:r>
+              <a:rPr lang="en-US"/>
+              <a:t>Second level</a:t>
+            </a:r>
+          </a:p>
+          <a:p>
+            <a:pPr lvl="2"/>
+            <a:r>
+              <a:rPr lang="en-US"/>
+              <a:t>Third level</a:t>
+            </a:r>
+          </a:p>
+          <a:p>
+            <a:pPr lvl="3"/>
+            <a:r>
+              <a:rPr lang="en-US"/>
+              <a:t>Fourth level</a:t>
+            </a:r>
+          </a:p>
+          <a:p>
+            <a:pPr lvl="4"/>
+            <a:r>
+              <a:rPr lang="en-US"/>
+              <a:t>Fifth level</a:t>
+            </a:r>
+            <a:endParaRPr lang="da-DK"/>
+          </a:p>
+        </p:txBody>
+      </p:sp>
+      <p:sp>
+        <p:nvSpPr>
+          <p:cNvPr id="6" name="Footer Placeholder 5"/>
+          <p:cNvSpPr>
+            <a:spLocks noGrp="1"/>
+          </p:cNvSpPr>
+          <p:nvPr>
+            <p:ph type="ftr" sz="quarter" idx="4"/>
+          </p:nvPr>
+        </p:nvSpPr>
+        <p:spPr>
+          <a:xfrm>
+            <a:off x="0" y="8685213"/>
+            <a:ext cx="2971800" cy="458787"/>
+          </a:xfrm>
+          <a:prstGeom prst="rect">
+            <a:avLst/>
+          </a:prstGeom>
+        </p:spPr>
+        <p:txBody>
+          <a:bodyPr vert="horz" lIns="91440" tIns="45720" rIns="91440" bIns="45720" rtlCol="0" anchor="b"/>
+          <a:lstStyle>
+            <a:lvl1pPr algn="l">
+              <a:defRPr sz="1200"/>
+            </a:lvl1pPr>
+          </a:lstStyle>
+          <a:p>
+            <a:endParaRPr lang="da-DK"/>
+          </a:p>
+        </p:txBody>
+      </p:sp>
+      <p:sp>
+        <p:nvSpPr>
+          <p:cNvPr id="7" name="Slide Number Placeholder 6"/>
+          <p:cNvSpPr>
+            <a:spLocks noGrp="1"/>
+          </p:cNvSpPr>
+          <p:nvPr>
+            <p:ph type="sldNum" sz="quarter" idx="5"/>
+          </p:nvPr>
+        </p:nvSpPr>
+        <p:spPr>
+          <a:xfrm>
+            <a:off x="3884613" y="8685213"/>
+            <a:ext cx="2971800" cy="458787"/>
+          </a:xfrm>
+          <a:prstGeom prst="rect">
+            <a:avLst/>
+          </a:prstGeom>
+        </p:spPr>
+        <p:txBody>
+          <a:bodyPr vert="horz" lIns="91440" tIns="45720" rIns="91440" bIns="45720" rtlCol="0" anchor="b"/>
+          <a:lstStyle>
+            <a:lvl1pPr algn="r">
+              <a:defRPr sz="1200"/>
+            </a:lvl1pPr>
+          </a:lstStyle>
+          <a:p>
+            <a:fld id="{ED1924A9-A6E6-4ED0-B17E-28886EC1586E}" type="slidenum">
+              <a:rPr lang="da-DK" smtClean="0"/>
+              <a:t>‹#›</a:t>
+            </a:fld>
+            <a:endParaRPr lang="da-DK"/>
+          </a:p>
+        </p:txBody>
+      </p:sp>
+    </p:spTree>
+    <p:extLst>
+      <p:ext uri="{BB962C8B-B14F-4D97-AF65-F5344CB8AC3E}">
+        <p14:creationId xmlns:p14="http://schemas.microsoft.com/office/powerpoint/2010/main" val="1176064132"/>
+      </p:ext>
+    </p:extLst>
+  </p:cSld>
+  <p:clrMap bg1="lt1" tx1="dk1" bg2="lt2" tx2="dk2" accent1="accent1" accent2="accent2" accent3="accent3" accent4="accent4" accent5="accent5" accent6="accent6" hlink="hlink" folHlink="folHlink"/>
+  <p:notesStyle>
+    <a:lvl1pPr marL="0" algn="l" defTabSz="914400" rtl="0" eaLnBrk="1" latinLnBrk="0" hangingPunct="1">
+      <a:defRPr sz="1200" kern="1200">
+        <a:solidFill>
+          <a:schemeClr val="tx1"/>
+        </a:solidFill>
+        <a:latin typeface="+mn-lt"/>
+        <a:ea typeface="+mn-ea"/>
+        <a:cs typeface="+mn-cs"/>
+      </a:defRPr>
+    </a:lvl1pPr>
+    <a:lvl2pPr marL="457200" algn="l" defTabSz="914400" rtl="0" eaLnBrk="1" latinLnBrk="0" hangingPunct="1">
+      <a:defRPr sz="1200" kern="1200">
+        <a:solidFill>
+          <a:schemeClr val="tx1"/>
+        </a:solidFill>
+        <a:latin typeface="+mn-lt"/>
+        <a:ea typeface="+mn-ea"/>
+        <a:cs typeface="+mn-cs"/>
+      </a:defRPr>
+    </a:lvl2pPr>
+    <a:lvl3pPr marL="914400" algn="l" defTabSz="914400" rtl="0" eaLnBrk="1" latinLnBrk="0" hangingPunct="1">
+      <a:defRPr sz="1200" kern="1200">
+        <a:solidFill>
+          <a:schemeClr val="tx1"/>
+        </a:solidFill>
+        <a:latin typeface="+mn-lt"/>
+        <a:ea typeface="+mn-ea"/>
+        <a:cs typeface="+mn-cs"/>
+      </a:defRPr>
+    </a:lvl3pPr>
+    <a:lvl4pPr marL="1371600" algn="l" defTabSz="914400" rtl="0" eaLnBrk="1" latinLnBrk="0" hangingPunct="1">
+      <a:defRPr sz="1200" kern="1200">
+        <a:solidFill>
+          <a:schemeClr val="tx1"/>
+        </a:solidFill>
+        <a:latin typeface="+mn-lt"/>
+        <a:ea typeface="+mn-ea"/>
+        <a:cs typeface="+mn-cs"/>
+      </a:defRPr>
+    </a:lvl4pPr>
+    <a:lvl5pPr marL="1828800" algn="l" defTabSz="914400" rtl="0" eaLnBrk="1" latinLnBrk="0" hangingPunct="1">
+      <a:defRPr sz="1200" kern="1200">
+        <a:solidFill>
+          <a:schemeClr val="tx1"/>
+        </a:solidFill>
+        <a:latin typeface="+mn-lt"/>
+        <a:ea typeface="+mn-ea"/>
+        <a:cs typeface="+mn-cs"/>
+      </a:defRPr>
+    </a:lvl5pPr>
+    <a:lvl6pPr marL="2286000" algn="l" defTabSz="914400" rtl="0" eaLnBrk="1" latinLnBrk="0" hangingPunct="1">
+      <a:defRPr sz="1200" kern="1200">
+        <a:solidFill>
+          <a:schemeClr val="tx1"/>
+        </a:solidFill>
+        <a:latin typeface="+mn-lt"/>
+        <a:ea typeface="+mn-ea"/>
+        <a:cs typeface="+mn-cs"/>
+      </a:defRPr>
+    </a:lvl6pPr>
+    <a:lvl7pPr marL="2743200" algn="l" defTabSz="914400" rtl="0" eaLnBrk="1" latinLnBrk="0" hangingPunct="1">
+      <a:defRPr sz="1200" kern="1200">
+        <a:solidFill>
+          <a:schemeClr val="tx1"/>
+        </a:solidFill>
+        <a:latin typeface="+mn-lt"/>
+        <a:ea typeface="+mn-ea"/>
+        <a:cs typeface="+mn-cs"/>
+      </a:defRPr>
+    </a:lvl7pPr>
+    <a:lvl8pPr marL="3200400" algn="l" defTabSz="914400" rtl="0" eaLnBrk="1" latinLnBrk="0" hangingPunct="1">
+      <a:defRPr sz="1200" kern="1200">
+        <a:solidFill>
+          <a:schemeClr val="tx1"/>
+        </a:solidFill>
+        <a:latin typeface="+mn-lt"/>
+        <a:ea typeface="+mn-ea"/>
+        <a:cs typeface="+mn-cs"/>
+      </a:defRPr>
+    </a:lvl8pPr>
+    <a:lvl9pPr marL="3657600" algn="l" defTabSz="914400" rtl="0" eaLnBrk="1" latinLnBrk="0" hangingPunct="1">
+      <a:defRPr sz="1200" kern="1200">
+        <a:solidFill>
+          <a:schemeClr val="tx1"/>
+        </a:solidFill>
+        <a:latin typeface="+mn-lt"/>
+        <a:ea typeface="+mn-ea"/>
+        <a:cs typeface="+mn-cs"/>
+      </a:defRPr>
+    </a:lvl9pPr>
+  </p:notesStyle>
+</p:notesMaster>
 </file>
 
 <file path=ppt/slideLayouts/slideLayout1.xml><?xml version="1.0" encoding="utf-8"?>
@@ -12595,6 +12948,84 @@
           </a:p>
         </p:txBody>
       </p:sp>
+      <p:sp>
+        <p:nvSpPr>
+          <p:cNvPr id="3" name="TextBox 2">
+            <a:extLst>
+              <a:ext uri="{FF2B5EF4-FFF2-40B4-BE49-F238E27FC236}">
+                <a16:creationId xmlns:a16="http://schemas.microsoft.com/office/drawing/2014/main" id="{75C57614-2FB8-4657-8ED5-BEA0D32B6813}"/>
+              </a:ext>
+            </a:extLst>
+          </p:cNvPr>
+          <p:cNvSpPr txBox="1"/>
+          <p:nvPr/>
+        </p:nvSpPr>
+        <p:spPr>
+          <a:xfrm>
+            <a:off x="1565835" y="1936376"/>
+            <a:ext cx="8420847" cy="2031325"/>
+          </a:xfrm>
+          <a:prstGeom prst="rect">
+            <a:avLst/>
+          </a:prstGeom>
+          <a:noFill/>
+        </p:spPr>
+        <p:txBody>
+          <a:bodyPr wrap="square" rtlCol="0">
+            <a:spAutoFit/>
+          </a:bodyPr>
+          <a:lstStyle/>
+          <a:p>
+            <a:pPr marL="285750" indent="-285750">
+              <a:buFont typeface="Wingdings" panose="05000000000000000000" pitchFamily="2" charset="2"/>
+              <a:buChar char="v"/>
+            </a:pPr>
+            <a:r>
+              <a:rPr lang="da-DK" dirty="0"/>
+              <a:t>Test af iterationer</a:t>
+            </a:r>
+            <a:br>
+              <a:rPr lang="da-DK" dirty="0"/>
+            </a:br>
+            <a:endParaRPr lang="da-DK" dirty="0"/>
+          </a:p>
+          <a:p>
+            <a:pPr marL="285750" indent="-285750">
+              <a:buFont typeface="Wingdings" panose="05000000000000000000" pitchFamily="2" charset="2"/>
+              <a:buChar char="v"/>
+            </a:pPr>
+            <a:r>
+              <a:rPr lang="da-DK" dirty="0"/>
+              <a:t>Sideløbende tests – test af idéer i en ”test.</a:t>
+            </a:r>
+            <a:r>
+              <a:rPr lang="da-DK"/>
+              <a:t>py”-fil</a:t>
+            </a:r>
+            <a:br>
+              <a:rPr lang="da-DK"/>
+            </a:br>
+            <a:endParaRPr lang="da-DK"/>
+          </a:p>
+          <a:p>
+            <a:pPr marL="285750" indent="-285750">
+              <a:buFont typeface="Wingdings" panose="05000000000000000000" pitchFamily="2" charset="2"/>
+              <a:buChar char="v"/>
+            </a:pPr>
+            <a:br>
+              <a:rPr lang="da-DK" dirty="0"/>
+            </a:br>
+            <a:endParaRPr lang="da-DK" dirty="0"/>
+          </a:p>
+          <a:p>
+            <a:pPr marL="285750" indent="-285750">
+              <a:buFont typeface="Wingdings" panose="05000000000000000000" pitchFamily="2" charset="2"/>
+              <a:buChar char="v"/>
+            </a:pPr>
+            <a:endParaRPr lang="da-DK" dirty="0"/>
+          </a:p>
+        </p:txBody>
+      </p:sp>
     </p:spTree>
     <p:extLst>
       <p:ext uri="{BB962C8B-B14F-4D97-AF65-F5344CB8AC3E}">
@@ -13021,4 +13452,299 @@
     </a:ext>
   </a:extLst>
 </a:theme>
+</file>
+
+<file path=ppt/theme/theme2.xml><?xml version="1.0" encoding="utf-8"?>
+<a:theme xmlns:a="http://schemas.openxmlformats.org/drawingml/2006/main" name="Office Theme">
+  <a:themeElements>
+    <a:clrScheme name="Office">
+      <a:dk1>
+        <a:sysClr val="windowText" lastClr="000000"/>
+      </a:dk1>
+      <a:lt1>
+        <a:sysClr val="window" lastClr="FFFFFF"/>
+      </a:lt1>
+      <a:dk2>
+        <a:srgbClr val="44546A"/>
+      </a:dk2>
+      <a:lt2>
+        <a:srgbClr val="E7E6E6"/>
+      </a:lt2>
+      <a:accent1>
+        <a:srgbClr val="4472C4"/>
+      </a:accent1>
+      <a:accent2>
+        <a:srgbClr val="ED7D31"/>
+      </a:accent2>
+      <a:accent3>
+        <a:srgbClr val="A5A5A5"/>
+      </a:accent3>
+      <a:accent4>
+        <a:srgbClr val="FFC000"/>
+      </a:accent4>
+      <a:accent5>
+        <a:srgbClr val="5B9BD5"/>
+      </a:accent5>
+      <a:accent6>
+        <a:srgbClr val="70AD47"/>
+      </a:accent6>
+      <a:hlink>
+        <a:srgbClr val="0563C1"/>
+      </a:hlink>
+      <a:folHlink>
+        <a:srgbClr val="954F72"/>
+      </a:folHlink>
+    </a:clrScheme>
+    <a:fontScheme name="Office">
+      <a:majorFont>
+        <a:latin typeface="Calibri Light" panose="020F0302020204030204"/>
+        <a:ea typeface=""/>
+        <a:cs typeface=""/>
+        <a:font script="Jpan" typeface="游ゴシック Light"/>
+        <a:font script="Hang" typeface="맑은 고딕"/>
+        <a:font script="Hans" typeface="等线 Light"/>
+        <a:font script="Hant" typeface="新細明體"/>
+        <a:font script="Arab" typeface="Times New Roman"/>
+        <a:font script="Hebr" typeface="Times New Roman"/>
+        <a:font script="Thai" typeface="Angsana New"/>
+        <a:font script="Ethi" typeface="Nyala"/>
+        <a:font script="Beng" typeface="Vrinda"/>
+        <a:font script="Gujr" typeface="Shruti"/>
+        <a:font script="Khmr" typeface="MoolBoran"/>
+        <a:font script="Knda" typeface="Tunga"/>
+        <a:font script="Guru" typeface="Raavi"/>
+        <a:font script="Cans" typeface="Euphemia"/>
+        <a:font script="Cher" typeface="Plantagenet Cherokee"/>
+        <a:font script="Yiii" typeface="Microsoft Yi Baiti"/>
+        <a:font script="Tibt" typeface="Microsoft Himalaya"/>
+        <a:font script="Thaa" typeface="MV Boli"/>
+        <a:font script="Deva" typeface="Mangal"/>
+        <a:font script="Telu" typeface="Gautami"/>
+        <a:font script="Taml" typeface="Latha"/>
+        <a:font script="Syrc" typeface="Estrangelo Edessa"/>
+        <a:font script="Orya" typeface="Kalinga"/>
+        <a:font script="Mlym" typeface="Kartika"/>
+        <a:font script="Laoo" typeface="DokChampa"/>
+        <a:font script="Sinh" typeface="Iskoola Pota"/>
+        <a:font script="Mong" typeface="Mongolian Baiti"/>
+        <a:font script="Viet" typeface="Times New Roman"/>
+        <a:font script="Uigh" typeface="Microsoft Uighur"/>
+        <a:font script="Geor" typeface="Sylfaen"/>
+        <a:font script="Armn" typeface="Arial"/>
+        <a:font script="Bugi" typeface="Leelawadee UI"/>
+        <a:font script="Bopo" typeface="Microsoft JhengHei"/>
+        <a:font script="Java" typeface="Javanese Text"/>
+        <a:font script="Lisu" typeface="Segoe UI"/>
+        <a:font script="Mymr" typeface="Myanmar Text"/>
+        <a:font script="Nkoo" typeface="Ebrima"/>
+        <a:font script="Olck" typeface="Nirmala UI"/>
+        <a:font script="Osma" typeface="Ebrima"/>
+        <a:font script="Phag" typeface="Phagspa"/>
+        <a:font script="Syrn" typeface="Estrangelo Edessa"/>
+        <a:font script="Syrj" typeface="Estrangelo Edessa"/>
+        <a:font script="Syre" typeface="Estrangelo Edessa"/>
+        <a:font script="Sora" typeface="Nirmala UI"/>
+        <a:font script="Tale" typeface="Microsoft Tai Le"/>
+        <a:font script="Talu" typeface="Microsoft New Tai Lue"/>
+        <a:font script="Tfng" typeface="Ebrima"/>
+      </a:majorFont>
+      <a:minorFont>
+        <a:latin typeface="Calibri" panose="020F0502020204030204"/>
+        <a:ea typeface=""/>
+        <a:cs typeface=""/>
+        <a:font script="Jpan" typeface="游ゴシック"/>
+        <a:font script="Hang" typeface="맑은 고딕"/>
+        <a:font script="Hans" typeface="等线"/>
+        <a:font script="Hant" typeface="新細明體"/>
+        <a:font script="Arab" typeface="Arial"/>
+        <a:font script="Hebr" typeface="Arial"/>
+        <a:font script="Thai" typeface="Cordia New"/>
+        <a:font script="Ethi" typeface="Nyala"/>
+        <a:font script="Beng" typeface="Vrinda"/>
+        <a:font script="Gujr" typeface="Shruti"/>
+        <a:font script="Khmr" typeface="DaunPenh"/>
+        <a:font script="Knda" typeface="Tunga"/>
+        <a:font script="Guru" typeface="Raavi"/>
+        <a:font script="Cans" typeface="Euphemia"/>
+        <a:font script="Cher" typeface="Plantagenet Cherokee"/>
+        <a:font script="Yiii" typeface="Microsoft Yi Baiti"/>
+        <a:font script="Tibt" typeface="Microsoft Himalaya"/>
+        <a:font script="Thaa" typeface="MV Boli"/>
+        <a:font script="Deva" typeface="Mangal"/>
+        <a:font script="Telu" typeface="Gautami"/>
+        <a:font script="Taml" typeface="Latha"/>
+        <a:font script="Syrc" typeface="Estrangelo Edessa"/>
+        <a:font script="Orya" typeface="Kalinga"/>
+        <a:font script="Mlym" typeface="Kartika"/>
+        <a:font script="Laoo" typeface="DokChampa"/>
+        <a:font script="Sinh" typeface="Iskoola Pota"/>
+        <a:font script="Mong" typeface="Mongolian Baiti"/>
+        <a:font script="Viet" typeface="Arial"/>
+        <a:font script="Uigh" typeface="Microsoft Uighur"/>
+        <a:font script="Geor" typeface="Sylfaen"/>
+        <a:font script="Armn" typeface="Arial"/>
+        <a:font script="Bugi" typeface="Leelawadee UI"/>
+        <a:font script="Bopo" typeface="Microsoft JhengHei"/>
+        <a:font script="Java" typeface="Javanese Text"/>
+        <a:font script="Lisu" typeface="Segoe UI"/>
+        <a:font script="Mymr" typeface="Myanmar Text"/>
+        <a:font script="Nkoo" typeface="Ebrima"/>
+        <a:font script="Olck" typeface="Nirmala UI"/>
+        <a:font script="Osma" typeface="Ebrima"/>
+        <a:font script="Phag" typeface="Phagspa"/>
+        <a:font script="Syrn" typeface="Estrangelo Edessa"/>
+        <a:font script="Syrj" typeface="Estrangelo Edessa"/>
+        <a:font script="Syre" typeface="Estrangelo Edessa"/>
+        <a:font script="Sora" typeface="Nirmala UI"/>
+        <a:font script="Tale" typeface="Microsoft Tai Le"/>
+        <a:font script="Talu" typeface="Microsoft New Tai Lue"/>
+        <a:font script="Tfng" typeface="Ebrima"/>
+      </a:minorFont>
+    </a:fontScheme>
+    <a:fmtScheme name="Office">
+      <a:fillStyleLst>
+        <a:solidFill>
+          <a:schemeClr val="phClr"/>
+        </a:solidFill>
+        <a:gradFill rotWithShape="1">
+          <a:gsLst>
+            <a:gs pos="0">
+              <a:schemeClr val="phClr">
+                <a:lumMod val="110000"/>
+                <a:satMod val="105000"/>
+                <a:tint val="67000"/>
+              </a:schemeClr>
+            </a:gs>
+            <a:gs pos="50000">
+              <a:schemeClr val="phClr">
+                <a:lumMod val="105000"/>
+                <a:satMod val="103000"/>
+                <a:tint val="73000"/>
+              </a:schemeClr>
+            </a:gs>
+            <a:gs pos="100000">
+              <a:schemeClr val="phClr">
+                <a:lumMod val="105000"/>
+                <a:satMod val="109000"/>
+                <a:tint val="81000"/>
+              </a:schemeClr>
+            </a:gs>
+          </a:gsLst>
+          <a:lin ang="5400000" scaled="0"/>
+        </a:gradFill>
+        <a:gradFill rotWithShape="1">
+          <a:gsLst>
+            <a:gs pos="0">
+              <a:schemeClr val="phClr">
+                <a:satMod val="103000"/>
+                <a:lumMod val="102000"/>
+                <a:tint val="94000"/>
+              </a:schemeClr>
+            </a:gs>
+            <a:gs pos="50000">
+              <a:schemeClr val="phClr">
+                <a:satMod val="110000"/>
+                <a:lumMod val="100000"/>
+                <a:shade val="100000"/>
+              </a:schemeClr>
+            </a:gs>
+            <a:gs pos="100000">
+              <a:schemeClr val="phClr">
+                <a:lumMod val="99000"/>
+                <a:satMod val="120000"/>
+                <a:shade val="78000"/>
+              </a:schemeClr>
+            </a:gs>
+          </a:gsLst>
+          <a:lin ang="5400000" scaled="0"/>
+        </a:gradFill>
+      </a:fillStyleLst>
+      <a:lnStyleLst>
+        <a:ln w="6350" cap="flat" cmpd="sng" algn="ctr">
+          <a:solidFill>
+            <a:schemeClr val="phClr"/>
+          </a:solidFill>
+          <a:prstDash val="solid"/>
+          <a:miter lim="800000"/>
+        </a:ln>
+        <a:ln w="12700" cap="flat" cmpd="sng" algn="ctr">
+          <a:solidFill>
+            <a:schemeClr val="phClr"/>
+          </a:solidFill>
+          <a:prstDash val="solid"/>
+          <a:miter lim="800000"/>
+        </a:ln>
+        <a:ln w="19050" cap="flat" cmpd="sng" algn="ctr">
+          <a:solidFill>
+            <a:schemeClr val="phClr"/>
+          </a:solidFill>
+          <a:prstDash val="solid"/>
+          <a:miter lim="800000"/>
+        </a:ln>
+      </a:lnStyleLst>
+      <a:effectStyleLst>
+        <a:effectStyle>
+          <a:effectLst/>
+        </a:effectStyle>
+        <a:effectStyle>
+          <a:effectLst/>
+        </a:effectStyle>
+        <a:effectStyle>
+          <a:effectLst>
+            <a:outerShdw blurRad="57150" dist="19050" dir="5400000" algn="ctr" rotWithShape="0">
+              <a:srgbClr val="000000">
+                <a:alpha val="63000"/>
+              </a:srgbClr>
+            </a:outerShdw>
+          </a:effectLst>
+        </a:effectStyle>
+      </a:effectStyleLst>
+      <a:bgFillStyleLst>
+        <a:solidFill>
+          <a:schemeClr val="phClr"/>
+        </a:solidFill>
+        <a:solidFill>
+          <a:schemeClr val="phClr">
+            <a:tint val="95000"/>
+            <a:satMod val="170000"/>
+          </a:schemeClr>
+        </a:solidFill>
+        <a:gradFill rotWithShape="1">
+          <a:gsLst>
+            <a:gs pos="0">
+              <a:schemeClr val="phClr">
+                <a:tint val="93000"/>
+                <a:satMod val="150000"/>
+                <a:shade val="98000"/>
+                <a:lumMod val="102000"/>
+              </a:schemeClr>
+            </a:gs>
+            <a:gs pos="50000">
+              <a:schemeClr val="phClr">
+                <a:tint val="98000"/>
+                <a:satMod val="130000"/>
+                <a:shade val="90000"/>
+                <a:lumMod val="103000"/>
+              </a:schemeClr>
+            </a:gs>
+            <a:gs pos="100000">
+              <a:schemeClr val="phClr">
+                <a:shade val="63000"/>
+                <a:satMod val="120000"/>
+              </a:schemeClr>
+            </a:gs>
+          </a:gsLst>
+          <a:lin ang="5400000" scaled="0"/>
+        </a:gradFill>
+      </a:bgFillStyleLst>
+    </a:fmtScheme>
+  </a:themeElements>
+  <a:objectDefaults/>
+  <a:extraClrSchemeLst/>
+  <a:extLst>
+    <a:ext uri="{05A4C25C-085E-4340-85A3-A5531E510DB2}">
+      <thm15:themeFamily xmlns:thm15="http://schemas.microsoft.com/office/thememl/2012/main" name="Office Theme" id="{62F939B6-93AF-4DB8-9C6B-D6C7DFDC589F}" vid="{4A3C46E8-61CC-4603-A589-7422A47A8E4A}"/>
+    </a:ext>
+  </a:extLst>
+</a:theme>
 </file>
--- a/2 - Info/Notesort presentation.pptx
+++ b/2 - Info/Notesort presentation.pptx
@@ -5,7 +5,7 @@
     <p:sldMasterId id="2147483674" r:id="rId1"/>
   </p:sldMasterIdLst>
   <p:notesMasterIdLst>
-    <p:notesMasterId r:id="rId9"/>
+    <p:notesMasterId r:id="rId10"/>
   </p:notesMasterIdLst>
   <p:sldIdLst>
     <p:sldId id="324" r:id="rId2"/>
@@ -13,8 +13,9 @@
     <p:sldId id="268" r:id="rId4"/>
     <p:sldId id="279" r:id="rId5"/>
     <p:sldId id="309" r:id="rId6"/>
-    <p:sldId id="325" r:id="rId7"/>
-    <p:sldId id="323" r:id="rId8"/>
+    <p:sldId id="326" r:id="rId7"/>
+    <p:sldId id="325" r:id="rId8"/>
+    <p:sldId id="323" r:id="rId9"/>
   </p:sldIdLst>
   <p:sldSz cx="12192000" cy="6858000"/>
   <p:notesSz cx="6858000" cy="9144000"/>
@@ -234,7 +235,7 @@
           <a:p>
             <a:fld id="{CD2D63DA-F1A7-462C-BE44-8E8D77DA3BA5}" type="datetimeFigureOut">
               <a:rPr lang="da-DK" smtClean="0"/>
-              <a:t>08-06-2020</a:t>
+              <a:t>10-06-2020</a:t>
             </a:fld>
             <a:endParaRPr lang="da-DK"/>
           </a:p>
@@ -12963,7 +12964,7 @@
         <p:spPr>
           <a:xfrm>
             <a:off x="1565835" y="1936376"/>
-            <a:ext cx="8420847" cy="2031325"/>
+            <a:ext cx="8420847" cy="369332"/>
           </a:xfrm>
           <a:prstGeom prst="rect">
             <a:avLst/>
@@ -12982,50 +12983,41 @@
             </a:pPr>
             <a:r>
               <a:rPr lang="da-DK" dirty="0"/>
-              <a:t>Test af iterationer</a:t>
+              <a:t>Test af iterationer – er brugerhistorien opfyldt?</a:t>
             </a:r>
-            <a:br>
-              <a:rPr lang="da-DK" dirty="0"/>
-            </a:br>
-            <a:endParaRPr lang="da-DK" dirty="0"/>
-          </a:p>
-          <a:p>
-            <a:pPr marL="285750" indent="-285750">
-              <a:buFont typeface="Wingdings" panose="05000000000000000000" pitchFamily="2" charset="2"/>
-              <a:buChar char="v"/>
-            </a:pPr>
-            <a:r>
-              <a:rPr lang="da-DK" dirty="0"/>
-              <a:t>Sideløbende tests – test af idéer i en ”test.</a:t>
-            </a:r>
-            <a:r>
-              <a:rPr lang="da-DK"/>
-              <a:t>py”-fil</a:t>
-            </a:r>
-            <a:br>
-              <a:rPr lang="da-DK"/>
-            </a:br>
-            <a:endParaRPr lang="da-DK"/>
-          </a:p>
-          <a:p>
-            <a:pPr marL="285750" indent="-285750">
-              <a:buFont typeface="Wingdings" panose="05000000000000000000" pitchFamily="2" charset="2"/>
-              <a:buChar char="v"/>
-            </a:pPr>
-            <a:br>
-              <a:rPr lang="da-DK" dirty="0"/>
-            </a:br>
-            <a:endParaRPr lang="da-DK" dirty="0"/>
-          </a:p>
-          <a:p>
-            <a:pPr marL="285750" indent="-285750">
-              <a:buFont typeface="Wingdings" panose="05000000000000000000" pitchFamily="2" charset="2"/>
-              <a:buChar char="v"/>
-            </a:pPr>
-            <a:endParaRPr lang="da-DK" dirty="0"/>
-          </a:p>
-        </p:txBody>
-      </p:sp>
+          </a:p>
+        </p:txBody>
+      </p:sp>
+      <p:pic>
+        <p:nvPicPr>
+          <p:cNvPr id="2" name="Picture 1">
+            <a:extLst>
+              <a:ext uri="{FF2B5EF4-FFF2-40B4-BE49-F238E27FC236}">
+                <a16:creationId xmlns:a16="http://schemas.microsoft.com/office/drawing/2014/main" id="{FD258250-3E7F-401F-A60A-BB79528ECA55}"/>
+              </a:ext>
+            </a:extLst>
+          </p:cNvPr>
+          <p:cNvPicPr>
+            <a:picLocks noChangeAspect="1"/>
+          </p:cNvPicPr>
+          <p:nvPr/>
+        </p:nvPicPr>
+        <p:blipFill>
+          <a:blip r:embed="rId2"/>
+          <a:stretch>
+            <a:fillRect/>
+          </a:stretch>
+        </p:blipFill>
+        <p:spPr>
+          <a:xfrm>
+            <a:off x="2383033" y="2474752"/>
+            <a:ext cx="7425932" cy="3254128"/>
+          </a:xfrm>
+          <a:prstGeom prst="rect">
+            <a:avLst/>
+          </a:prstGeom>
+        </p:spPr>
+      </p:pic>
     </p:spTree>
     <p:extLst>
       <p:ext uri="{BB962C8B-B14F-4D97-AF65-F5344CB8AC3E}">
@@ -13100,11 +13092,256 @@
                   <a:schemeClr val="accent1"/>
                 </a:solidFill>
               </a:rPr>
+              <a:t>Test af programmet</a:t>
+            </a:r>
+          </a:p>
+        </p:txBody>
+      </p:sp>
+      <p:sp>
+        <p:nvSpPr>
+          <p:cNvPr id="3" name="TextBox 2">
+            <a:extLst>
+              <a:ext uri="{FF2B5EF4-FFF2-40B4-BE49-F238E27FC236}">
+                <a16:creationId xmlns:a16="http://schemas.microsoft.com/office/drawing/2014/main" id="{75C57614-2FB8-4657-8ED5-BEA0D32B6813}"/>
+              </a:ext>
+            </a:extLst>
+          </p:cNvPr>
+          <p:cNvSpPr txBox="1"/>
+          <p:nvPr/>
+        </p:nvSpPr>
+        <p:spPr>
+          <a:xfrm>
+            <a:off x="1565835" y="1936376"/>
+            <a:ext cx="8420847" cy="369332"/>
+          </a:xfrm>
+          <a:prstGeom prst="rect">
+            <a:avLst/>
+          </a:prstGeom>
+          <a:noFill/>
+        </p:spPr>
+        <p:txBody>
+          <a:bodyPr wrap="square" rtlCol="0">
+            <a:spAutoFit/>
+          </a:bodyPr>
+          <a:lstStyle/>
+          <a:p>
+            <a:pPr marL="285750" indent="-285750">
+              <a:buFont typeface="Wingdings" panose="05000000000000000000" pitchFamily="2" charset="2"/>
+              <a:buChar char="v"/>
+            </a:pPr>
+            <a:r>
+              <a:rPr lang="da-DK" dirty="0"/>
+              <a:t>Sideløbende tests – test af idéer i en ”test.py”-fil</a:t>
+            </a:r>
+          </a:p>
+        </p:txBody>
+      </p:sp>
+      <p:pic>
+        <p:nvPicPr>
+          <p:cNvPr id="6" name="Picture 5" descr="A screenshot of a cell phone&#10;&#10;Description automatically generated">
+            <a:extLst>
+              <a:ext uri="{FF2B5EF4-FFF2-40B4-BE49-F238E27FC236}">
+                <a16:creationId xmlns:a16="http://schemas.microsoft.com/office/drawing/2014/main" id="{12EE3653-3412-482A-B712-664412D7CC35}"/>
+              </a:ext>
+            </a:extLst>
+          </p:cNvPr>
+          <p:cNvPicPr>
+            <a:picLocks noChangeAspect="1"/>
+          </p:cNvPicPr>
+          <p:nvPr/>
+        </p:nvPicPr>
+        <p:blipFill>
+          <a:blip r:embed="rId2">
+            <a:extLst>
+              <a:ext uri="{28A0092B-C50C-407E-A947-70E740481C1C}">
+                <a14:useLocalDpi xmlns:a14="http://schemas.microsoft.com/office/drawing/2010/main" val="0"/>
+              </a:ext>
+            </a:extLst>
+          </a:blip>
+          <a:stretch>
+            <a:fillRect/>
+          </a:stretch>
+        </p:blipFill>
+        <p:spPr>
+          <a:xfrm>
+            <a:off x="3719117" y="2554722"/>
+            <a:ext cx="4753764" cy="3857060"/>
+          </a:xfrm>
+          <a:prstGeom prst="rect">
+            <a:avLst/>
+          </a:prstGeom>
+        </p:spPr>
+      </p:pic>
+    </p:spTree>
+    <p:extLst>
+      <p:ext uri="{BB962C8B-B14F-4D97-AF65-F5344CB8AC3E}">
+        <p14:creationId xmlns:p14="http://schemas.microsoft.com/office/powerpoint/2010/main" val="2396163137"/>
+      </p:ext>
+    </p:extLst>
+  </p:cSld>
+  <p:clrMapOvr>
+    <a:masterClrMapping/>
+  </p:clrMapOvr>
+  <mc:AlternateContent xmlns:mc="http://schemas.openxmlformats.org/markup-compatibility/2006" xmlns:p14="http://schemas.microsoft.com/office/powerpoint/2010/main">
+    <mc:Choice Requires="p14">
+      <p:transition spd="med" p14:dur="700">
+        <p:fade/>
+      </p:transition>
+    </mc:Choice>
+    <mc:Fallback xmlns="">
+      <p:transition spd="med">
+        <p:fade/>
+      </p:transition>
+    </mc:Fallback>
+  </mc:AlternateContent>
+</p:sld>
+</file>
+
+<file path=ppt/slides/slide7.xml><?xml version="1.0" encoding="utf-8"?>
+<p:sld xmlns:a="http://schemas.openxmlformats.org/drawingml/2006/main" xmlns:r="http://schemas.openxmlformats.org/officeDocument/2006/relationships" xmlns:p="http://schemas.openxmlformats.org/presentationml/2006/main">
+  <p:cSld>
+    <p:spTree>
+      <p:nvGrpSpPr>
+        <p:cNvPr id="1" name=""/>
+        <p:cNvGrpSpPr/>
+        <p:nvPr/>
+      </p:nvGrpSpPr>
+      <p:grpSpPr>
+        <a:xfrm>
+          <a:off x="0" y="0"/>
+          <a:ext cx="0" cy="0"/>
+          <a:chOff x="0" y="0"/>
+          <a:chExt cx="0" cy="0"/>
+        </a:xfrm>
+      </p:grpSpPr>
+      <p:sp>
+        <p:nvSpPr>
+          <p:cNvPr id="28" name="Text Placeholder 27">
+            <a:extLst>
+              <a:ext uri="{FF2B5EF4-FFF2-40B4-BE49-F238E27FC236}">
+                <a16:creationId xmlns:a16="http://schemas.microsoft.com/office/drawing/2014/main" id="{DB49EC7C-3FF2-4661-98F5-83B2D8A96317}"/>
+              </a:ext>
+            </a:extLst>
+          </p:cNvPr>
+          <p:cNvSpPr>
+            <a:spLocks noGrp="1"/>
+          </p:cNvSpPr>
+          <p:nvPr>
+            <p:ph type="body" sz="quarter" idx="10"/>
+          </p:nvPr>
+        </p:nvSpPr>
+        <p:spPr>
+          <a:xfrm>
+            <a:off x="414444" y="446218"/>
+            <a:ext cx="11363111" cy="868846"/>
+          </a:xfrm>
+        </p:spPr>
+        <p:txBody>
+          <a:bodyPr/>
+          <a:lstStyle/>
+          <a:p>
+            <a:r>
+              <a:rPr lang="da-DK" sz="6600" dirty="0">
+                <a:solidFill>
+                  <a:schemeClr val="accent1"/>
+                </a:solidFill>
+              </a:rPr>
               <a:t>Fremtidige forbedringer</a:t>
             </a:r>
           </a:p>
         </p:txBody>
       </p:sp>
+      <p:sp>
+        <p:nvSpPr>
+          <p:cNvPr id="3" name="TextBox 2">
+            <a:extLst>
+              <a:ext uri="{FF2B5EF4-FFF2-40B4-BE49-F238E27FC236}">
+                <a16:creationId xmlns:a16="http://schemas.microsoft.com/office/drawing/2014/main" id="{C83643C6-08DE-41AE-AB15-E548D06308D0}"/>
+              </a:ext>
+            </a:extLst>
+          </p:cNvPr>
+          <p:cNvSpPr txBox="1"/>
+          <p:nvPr/>
+        </p:nvSpPr>
+        <p:spPr>
+          <a:xfrm>
+            <a:off x="1565835" y="1936376"/>
+            <a:ext cx="8420847" cy="1754326"/>
+          </a:xfrm>
+          <a:prstGeom prst="rect">
+            <a:avLst/>
+          </a:prstGeom>
+          <a:noFill/>
+        </p:spPr>
+        <p:txBody>
+          <a:bodyPr wrap="square" rtlCol="0">
+            <a:spAutoFit/>
+          </a:bodyPr>
+          <a:lstStyle/>
+          <a:p>
+            <a:pPr marL="285750" indent="-285750">
+              <a:buFont typeface="Wingdings" panose="05000000000000000000" pitchFamily="2" charset="2"/>
+              <a:buChar char="v"/>
+            </a:pPr>
+            <a:r>
+              <a:rPr lang="da-DK" dirty="0"/>
+              <a:t>Søgefunktion</a:t>
+            </a:r>
+            <a:br>
+              <a:rPr lang="da-DK" dirty="0"/>
+            </a:br>
+            <a:br>
+              <a:rPr lang="da-DK" dirty="0"/>
+            </a:br>
+            <a:br>
+              <a:rPr lang="da-DK" dirty="0"/>
+            </a:br>
+            <a:br>
+              <a:rPr lang="da-DK" dirty="0"/>
+            </a:br>
+            <a:endParaRPr lang="da-DK" dirty="0"/>
+          </a:p>
+          <a:p>
+            <a:pPr marL="285750" indent="-285750">
+              <a:buFont typeface="Wingdings" panose="05000000000000000000" pitchFamily="2" charset="2"/>
+              <a:buChar char="v"/>
+            </a:pPr>
+            <a:r>
+              <a:rPr lang="da-DK" dirty="0"/>
+              <a:t>Neurale netværk til sortering af noter</a:t>
+            </a:r>
+          </a:p>
+        </p:txBody>
+      </p:sp>
+      <p:pic>
+        <p:nvPicPr>
+          <p:cNvPr id="2" name="Picture 1">
+            <a:extLst>
+              <a:ext uri="{FF2B5EF4-FFF2-40B4-BE49-F238E27FC236}">
+                <a16:creationId xmlns:a16="http://schemas.microsoft.com/office/drawing/2014/main" id="{4FE7844C-BFF7-4CB1-9DCA-58769CCC7777}"/>
+              </a:ext>
+            </a:extLst>
+          </p:cNvPr>
+          <p:cNvPicPr>
+            <a:picLocks noChangeAspect="1"/>
+          </p:cNvPicPr>
+          <p:nvPr/>
+        </p:nvPicPr>
+        <p:blipFill rotWithShape="1">
+          <a:blip r:embed="rId2"/>
+          <a:srcRect l="44475" r="487" b="52923"/>
+          <a:stretch/>
+        </p:blipFill>
+        <p:spPr>
+          <a:xfrm>
+            <a:off x="7290033" y="2019744"/>
+            <a:ext cx="3649212" cy="1587590"/>
+          </a:xfrm>
+          <a:prstGeom prst="rect">
+            <a:avLst/>
+          </a:prstGeom>
+        </p:spPr>
+      </p:pic>
     </p:spTree>
     <p:extLst>
       <p:ext uri="{BB962C8B-B14F-4D97-AF65-F5344CB8AC3E}">
@@ -13130,7 +13367,7 @@
 </p:sld>
 </file>
 
-<file path=ppt/slides/slide7.xml><?xml version="1.0" encoding="utf-8"?>
+<file path=ppt/slides/slide8.xml><?xml version="1.0" encoding="utf-8"?>
 <p:sld xmlns:a="http://schemas.openxmlformats.org/drawingml/2006/main" xmlns:r="http://schemas.openxmlformats.org/officeDocument/2006/relationships" xmlns:p="http://schemas.openxmlformats.org/presentationml/2006/main">
   <p:cSld>
     <p:spTree>

--- a/2 - Info/Notesort presentation.pptx
+++ b/2 - Info/Notesort presentation.pptx
@@ -5,7 +5,7 @@
     <p:sldMasterId id="2147483674" r:id="rId1"/>
   </p:sldMasterIdLst>
   <p:notesMasterIdLst>
-    <p:notesMasterId r:id="rId10"/>
+    <p:notesMasterId r:id="rId13"/>
   </p:notesMasterIdLst>
   <p:sldIdLst>
     <p:sldId id="324" r:id="rId2"/>
@@ -13,9 +13,12 @@
     <p:sldId id="268" r:id="rId4"/>
     <p:sldId id="279" r:id="rId5"/>
     <p:sldId id="309" r:id="rId6"/>
-    <p:sldId id="326" r:id="rId7"/>
-    <p:sldId id="325" r:id="rId8"/>
-    <p:sldId id="323" r:id="rId9"/>
+    <p:sldId id="329" r:id="rId7"/>
+    <p:sldId id="327" r:id="rId8"/>
+    <p:sldId id="326" r:id="rId9"/>
+    <p:sldId id="328" r:id="rId10"/>
+    <p:sldId id="325" r:id="rId11"/>
+    <p:sldId id="323" r:id="rId12"/>
   </p:sldIdLst>
   <p:sldSz cx="12192000" cy="6858000"/>
   <p:notesSz cx="6858000" cy="9144000"/>
@@ -235,7 +238,7 @@
           <a:p>
             <a:fld id="{CD2D63DA-F1A7-462C-BE44-8E8D77DA3BA5}" type="datetimeFigureOut">
               <a:rPr lang="da-DK" smtClean="0"/>
-              <a:t>10-06-2020</a:t>
+              <a:t>14-06-2020</a:t>
             </a:fld>
             <a:endParaRPr lang="da-DK"/>
           </a:p>
@@ -9999,6 +10002,299 @@
 </p:sld>
 </file>
 
+<file path=ppt/slides/slide10.xml><?xml version="1.0" encoding="utf-8"?>
+<p:sld xmlns:a="http://schemas.openxmlformats.org/drawingml/2006/main" xmlns:r="http://schemas.openxmlformats.org/officeDocument/2006/relationships" xmlns:p="http://schemas.openxmlformats.org/presentationml/2006/main">
+  <p:cSld>
+    <p:spTree>
+      <p:nvGrpSpPr>
+        <p:cNvPr id="1" name=""/>
+        <p:cNvGrpSpPr/>
+        <p:nvPr/>
+      </p:nvGrpSpPr>
+      <p:grpSpPr>
+        <a:xfrm>
+          <a:off x="0" y="0"/>
+          <a:ext cx="0" cy="0"/>
+          <a:chOff x="0" y="0"/>
+          <a:chExt cx="0" cy="0"/>
+        </a:xfrm>
+      </p:grpSpPr>
+      <p:sp>
+        <p:nvSpPr>
+          <p:cNvPr id="28" name="Text Placeholder 27">
+            <a:extLst>
+              <a:ext uri="{FF2B5EF4-FFF2-40B4-BE49-F238E27FC236}">
+                <a16:creationId xmlns:a16="http://schemas.microsoft.com/office/drawing/2014/main" id="{DB49EC7C-3FF2-4661-98F5-83B2D8A96317}"/>
+              </a:ext>
+            </a:extLst>
+          </p:cNvPr>
+          <p:cNvSpPr>
+            <a:spLocks noGrp="1"/>
+          </p:cNvSpPr>
+          <p:nvPr>
+            <p:ph type="body" sz="quarter" idx="10"/>
+          </p:nvPr>
+        </p:nvSpPr>
+        <p:spPr>
+          <a:xfrm>
+            <a:off x="414444" y="446218"/>
+            <a:ext cx="11363111" cy="868846"/>
+          </a:xfrm>
+        </p:spPr>
+        <p:txBody>
+          <a:bodyPr/>
+          <a:lstStyle/>
+          <a:p>
+            <a:r>
+              <a:rPr lang="da-DK" sz="6600" dirty="0">
+                <a:solidFill>
+                  <a:schemeClr val="accent1"/>
+                </a:solidFill>
+              </a:rPr>
+              <a:t>Fremtidige forbedringer</a:t>
+            </a:r>
+          </a:p>
+        </p:txBody>
+      </p:sp>
+      <p:sp>
+        <p:nvSpPr>
+          <p:cNvPr id="3" name="TextBox 2">
+            <a:extLst>
+              <a:ext uri="{FF2B5EF4-FFF2-40B4-BE49-F238E27FC236}">
+                <a16:creationId xmlns:a16="http://schemas.microsoft.com/office/drawing/2014/main" id="{C83643C6-08DE-41AE-AB15-E548D06308D0}"/>
+              </a:ext>
+            </a:extLst>
+          </p:cNvPr>
+          <p:cNvSpPr txBox="1"/>
+          <p:nvPr/>
+        </p:nvSpPr>
+        <p:spPr>
+          <a:xfrm>
+            <a:off x="1565835" y="1936376"/>
+            <a:ext cx="8420847" cy="1754326"/>
+          </a:xfrm>
+          <a:prstGeom prst="rect">
+            <a:avLst/>
+          </a:prstGeom>
+          <a:noFill/>
+        </p:spPr>
+        <p:txBody>
+          <a:bodyPr wrap="square" rtlCol="0">
+            <a:spAutoFit/>
+          </a:bodyPr>
+          <a:lstStyle/>
+          <a:p>
+            <a:pPr marL="285750" indent="-285750">
+              <a:buFont typeface="Wingdings" panose="05000000000000000000" pitchFamily="2" charset="2"/>
+              <a:buChar char="v"/>
+            </a:pPr>
+            <a:r>
+              <a:rPr lang="da-DK" dirty="0"/>
+              <a:t>Søgefunktion</a:t>
+            </a:r>
+            <a:br>
+              <a:rPr lang="da-DK" dirty="0"/>
+            </a:br>
+            <a:br>
+              <a:rPr lang="da-DK" dirty="0"/>
+            </a:br>
+            <a:br>
+              <a:rPr lang="da-DK" dirty="0"/>
+            </a:br>
+            <a:br>
+              <a:rPr lang="da-DK" dirty="0"/>
+            </a:br>
+            <a:endParaRPr lang="da-DK" dirty="0"/>
+          </a:p>
+          <a:p>
+            <a:pPr marL="285750" indent="-285750">
+              <a:buFont typeface="Wingdings" panose="05000000000000000000" pitchFamily="2" charset="2"/>
+              <a:buChar char="v"/>
+            </a:pPr>
+            <a:r>
+              <a:rPr lang="da-DK" dirty="0"/>
+              <a:t>Neurale netværk til sortering af noter</a:t>
+            </a:r>
+          </a:p>
+        </p:txBody>
+      </p:sp>
+      <p:pic>
+        <p:nvPicPr>
+          <p:cNvPr id="2" name="Picture 1">
+            <a:extLst>
+              <a:ext uri="{FF2B5EF4-FFF2-40B4-BE49-F238E27FC236}">
+                <a16:creationId xmlns:a16="http://schemas.microsoft.com/office/drawing/2014/main" id="{4FE7844C-BFF7-4CB1-9DCA-58769CCC7777}"/>
+              </a:ext>
+            </a:extLst>
+          </p:cNvPr>
+          <p:cNvPicPr>
+            <a:picLocks noChangeAspect="1"/>
+          </p:cNvPicPr>
+          <p:nvPr/>
+        </p:nvPicPr>
+        <p:blipFill rotWithShape="1">
+          <a:blip r:embed="rId2"/>
+          <a:srcRect l="44475" r="487" b="52923"/>
+          <a:stretch/>
+        </p:blipFill>
+        <p:spPr>
+          <a:xfrm>
+            <a:off x="7290033" y="2019744"/>
+            <a:ext cx="3649212" cy="1587590"/>
+          </a:xfrm>
+          <a:prstGeom prst="rect">
+            <a:avLst/>
+          </a:prstGeom>
+        </p:spPr>
+      </p:pic>
+    </p:spTree>
+    <p:extLst>
+      <p:ext uri="{BB962C8B-B14F-4D97-AF65-F5344CB8AC3E}">
+        <p14:creationId xmlns:p14="http://schemas.microsoft.com/office/powerpoint/2010/main" val="2159174528"/>
+      </p:ext>
+    </p:extLst>
+  </p:cSld>
+  <p:clrMapOvr>
+    <a:masterClrMapping/>
+  </p:clrMapOvr>
+  <mc:AlternateContent xmlns:mc="http://schemas.openxmlformats.org/markup-compatibility/2006" xmlns:p14="http://schemas.microsoft.com/office/powerpoint/2010/main">
+    <mc:Choice Requires="p14">
+      <p:transition spd="med" p14:dur="700">
+        <p:fade/>
+      </p:transition>
+    </mc:Choice>
+    <mc:Fallback xmlns="">
+      <p:transition spd="med">
+        <p:fade/>
+      </p:transition>
+    </mc:Fallback>
+  </mc:AlternateContent>
+</p:sld>
+</file>
+
+<file path=ppt/slides/slide11.xml><?xml version="1.0" encoding="utf-8"?>
+<p:sld xmlns:a="http://schemas.openxmlformats.org/drawingml/2006/main" xmlns:r="http://schemas.openxmlformats.org/officeDocument/2006/relationships" xmlns:p="http://schemas.openxmlformats.org/presentationml/2006/main">
+  <p:cSld>
+    <p:spTree>
+      <p:nvGrpSpPr>
+        <p:cNvPr id="1" name=""/>
+        <p:cNvGrpSpPr/>
+        <p:nvPr/>
+      </p:nvGrpSpPr>
+      <p:grpSpPr>
+        <a:xfrm>
+          <a:off x="0" y="0"/>
+          <a:ext cx="0" cy="0"/>
+          <a:chOff x="0" y="0"/>
+          <a:chExt cx="0" cy="0"/>
+        </a:xfrm>
+      </p:grpSpPr>
+      <p:sp>
+        <p:nvSpPr>
+          <p:cNvPr id="29" name="Text Placeholder 28">
+            <a:extLst>
+              <a:ext uri="{FF2B5EF4-FFF2-40B4-BE49-F238E27FC236}">
+                <a16:creationId xmlns:a16="http://schemas.microsoft.com/office/drawing/2014/main" id="{9D3B666F-A44D-4EA1-B3AC-488629CA20A7}"/>
+              </a:ext>
+            </a:extLst>
+          </p:cNvPr>
+          <p:cNvSpPr>
+            <a:spLocks noGrp="1"/>
+          </p:cNvSpPr>
+          <p:nvPr>
+            <p:ph type="body" sz="quarter" idx="11"/>
+          </p:nvPr>
+        </p:nvSpPr>
+        <p:spPr>
+          <a:xfrm>
+            <a:off x="1598295" y="3451144"/>
+            <a:ext cx="8995410" cy="588220"/>
+          </a:xfrm>
+        </p:spPr>
+        <p:txBody>
+          <a:bodyPr/>
+          <a:lstStyle/>
+          <a:p>
+            <a:pPr>
+              <a:lnSpc>
+                <a:spcPct val="150000"/>
+              </a:lnSpc>
+            </a:pPr>
+            <a:r>
+              <a:rPr lang="da-DK" sz="1800" dirty="0">
+                <a:solidFill>
+                  <a:schemeClr val="tx1"/>
+                </a:solidFill>
+                <a:ea typeface="Open Sans" panose="020B0606030504020204" pitchFamily="34" charset="0"/>
+                <a:cs typeface="Open Sans" panose="020B0606030504020204" pitchFamily="34" charset="0"/>
+              </a:rPr>
+              <a:t>Det var alt for nu</a:t>
+            </a:r>
+          </a:p>
+        </p:txBody>
+      </p:sp>
+      <p:sp>
+        <p:nvSpPr>
+          <p:cNvPr id="28" name="Text Placeholder 27">
+            <a:extLst>
+              <a:ext uri="{FF2B5EF4-FFF2-40B4-BE49-F238E27FC236}">
+                <a16:creationId xmlns:a16="http://schemas.microsoft.com/office/drawing/2014/main" id="{DB49EC7C-3FF2-4661-98F5-83B2D8A96317}"/>
+              </a:ext>
+            </a:extLst>
+          </p:cNvPr>
+          <p:cNvSpPr>
+            <a:spLocks noGrp="1"/>
+          </p:cNvSpPr>
+          <p:nvPr>
+            <p:ph type="body" sz="quarter" idx="10"/>
+          </p:nvPr>
+        </p:nvSpPr>
+        <p:spPr>
+          <a:xfrm>
+            <a:off x="415273" y="2478280"/>
+            <a:ext cx="11363111" cy="1378069"/>
+          </a:xfrm>
+        </p:spPr>
+        <p:txBody>
+          <a:bodyPr/>
+          <a:lstStyle/>
+          <a:p>
+            <a:r>
+              <a:rPr lang="da-DK" sz="8000" dirty="0">
+                <a:solidFill>
+                  <a:schemeClr val="accent1"/>
+                </a:solidFill>
+              </a:rPr>
+              <a:t>Tak!</a:t>
+            </a:r>
+          </a:p>
+        </p:txBody>
+      </p:sp>
+    </p:spTree>
+    <p:extLst>
+      <p:ext uri="{BB962C8B-B14F-4D97-AF65-F5344CB8AC3E}">
+        <p14:creationId xmlns:p14="http://schemas.microsoft.com/office/powerpoint/2010/main" val="2525510272"/>
+      </p:ext>
+    </p:extLst>
+  </p:cSld>
+  <p:clrMapOvr>
+    <a:masterClrMapping/>
+  </p:clrMapOvr>
+  <mc:AlternateContent xmlns:mc="http://schemas.openxmlformats.org/markup-compatibility/2006" xmlns:p14="http://schemas.microsoft.com/office/powerpoint/2010/main">
+    <mc:Choice Requires="p14">
+      <p:transition spd="med" p14:dur="700">
+        <p:fade/>
+      </p:transition>
+    </mc:Choice>
+    <mc:Fallback xmlns="">
+      <p:transition spd="med">
+        <p:fade/>
+      </p:transition>
+    </mc:Fallback>
+  </mc:AlternateContent>
+</p:sld>
+</file>
+
 <file path=ppt/slides/slide2.xml><?xml version="1.0" encoding="utf-8"?>
 <p:sld xmlns:a="http://schemas.openxmlformats.org/drawingml/2006/main" xmlns:r="http://schemas.openxmlformats.org/officeDocument/2006/relationships" xmlns:p="http://schemas.openxmlformats.org/presentationml/2006/main">
   <p:cSld>
@@ -10476,7 +10772,7 @@
           </a:bodyPr>
           <a:lstStyle/>
           <a:p>
-            <a:pPr algn="just">
+            <a:pPr>
               <a:lnSpc>
                 <a:spcPct val="150000"/>
               </a:lnSpc>
@@ -10604,7 +10900,7 @@
           </a:bodyPr>
           <a:lstStyle/>
           <a:p>
-            <a:pPr algn="just">
+            <a:pPr>
               <a:lnSpc>
                 <a:spcPct val="150000"/>
               </a:lnSpc>
@@ -10732,7 +11028,7 @@
           </a:bodyPr>
           <a:lstStyle/>
           <a:p>
-            <a:pPr algn="just">
+            <a:pPr>
               <a:lnSpc>
                 <a:spcPct val="150000"/>
               </a:lnSpc>
@@ -10860,7 +11156,7 @@
           </a:bodyPr>
           <a:lstStyle/>
           <a:p>
-            <a:pPr algn="just">
+            <a:pPr>
               <a:lnSpc>
                 <a:spcPct val="150000"/>
               </a:lnSpc>
@@ -13111,8 +13407,8 @@
         </p:nvSpPr>
         <p:spPr>
           <a:xfrm>
-            <a:off x="1565835" y="1936376"/>
-            <a:ext cx="8420847" cy="369332"/>
+            <a:off x="1885575" y="2185889"/>
+            <a:ext cx="8420847" cy="4216539"/>
           </a:xfrm>
           <a:prstGeom prst="rect">
             <a:avLst/>
@@ -13125,57 +13421,324 @@
           </a:bodyPr>
           <a:lstStyle/>
           <a:p>
-            <a:pPr marL="285750" indent="-285750">
-              <a:buFont typeface="Wingdings" panose="05000000000000000000" pitchFamily="2" charset="2"/>
-              <a:buChar char="v"/>
+            <a:pPr marL="342900" lvl="0" indent="-342900">
+              <a:spcAft>
+                <a:spcPts val="1200"/>
+              </a:spcAft>
+              <a:buFont typeface="+mj-lt"/>
+              <a:buAutoNum type="arabicParenR"/>
             </a:pPr>
             <a:r>
               <a:rPr lang="da-DK" dirty="0"/>
-              <a:t>Sideløbende tests – test af idéer i en ”test.py”-fil</a:t>
+              <a:t>Når brugeren er logget ind, klikker brugeren på det fag, som noten ligger i.</a:t>
             </a:r>
           </a:p>
-        </p:txBody>
-      </p:sp>
-      <p:pic>
-        <p:nvPicPr>
-          <p:cNvPr id="6" name="Picture 5" descr="A screenshot of a cell phone&#10;&#10;Description automatically generated">
-            <a:extLst>
-              <a:ext uri="{FF2B5EF4-FFF2-40B4-BE49-F238E27FC236}">
-                <a16:creationId xmlns:a16="http://schemas.microsoft.com/office/drawing/2014/main" id="{12EE3653-3412-482A-B712-664412D7CC35}"/>
-              </a:ext>
-            </a:extLst>
-          </p:cNvPr>
-          <p:cNvPicPr>
-            <a:picLocks noChangeAspect="1"/>
-          </p:cNvPicPr>
+          <a:p>
+            <a:pPr marL="342900" lvl="0" indent="-342900">
+              <a:spcAft>
+                <a:spcPts val="1200"/>
+              </a:spcAft>
+              <a:buFont typeface="+mj-lt"/>
+              <a:buAutoNum type="arabicParenR"/>
+            </a:pPr>
+            <a:r>
+              <a:rPr lang="da-DK" dirty="0"/>
+              <a:t>Programmet navigerer til det fags side.</a:t>
+            </a:r>
+          </a:p>
+          <a:p>
+            <a:pPr marL="342900" lvl="0" indent="-342900">
+              <a:spcAft>
+                <a:spcPts val="1200"/>
+              </a:spcAft>
+              <a:buFont typeface="+mj-lt"/>
+              <a:buAutoNum type="arabicParenR"/>
+            </a:pPr>
+            <a:r>
+              <a:rPr lang="da-DK" dirty="0"/>
+              <a:t>Brugeren klikker på den note i listen, som skal redigeres.</a:t>
+            </a:r>
+          </a:p>
+          <a:p>
+            <a:pPr marL="342900" lvl="0" indent="-342900">
+              <a:spcAft>
+                <a:spcPts val="1200"/>
+              </a:spcAft>
+              <a:buFont typeface="+mj-lt"/>
+              <a:buAutoNum type="arabicParenR"/>
+            </a:pPr>
+            <a:r>
+              <a:rPr lang="da-DK" dirty="0"/>
+              <a:t>Programmet navigerer til en side, hvor noten bliver vist.</a:t>
+            </a:r>
+          </a:p>
+          <a:p>
+            <a:pPr marL="342900" lvl="0" indent="-342900">
+              <a:spcAft>
+                <a:spcPts val="1200"/>
+              </a:spcAft>
+              <a:buFont typeface="+mj-lt"/>
+              <a:buAutoNum type="arabicParenR"/>
+            </a:pPr>
+            <a:r>
+              <a:rPr lang="da-DK" dirty="0"/>
+              <a:t>Brugeren klikker på ”</a:t>
+            </a:r>
+            <a:r>
+              <a:rPr lang="da-DK" dirty="0" err="1"/>
+              <a:t>Edit”-knappen</a:t>
+            </a:r>
+            <a:r>
+              <a:rPr lang="da-DK" dirty="0"/>
+              <a:t>.</a:t>
+            </a:r>
+          </a:p>
+          <a:p>
+            <a:pPr marL="342900" lvl="0" indent="-342900">
+              <a:spcAft>
+                <a:spcPts val="1200"/>
+              </a:spcAft>
+              <a:buFont typeface="+mj-lt"/>
+              <a:buAutoNum type="arabicParenR"/>
+            </a:pPr>
+            <a:r>
+              <a:rPr lang="da-DK" dirty="0"/>
+              <a:t>Programmet navigerer til en redigeringsside, hvor notens indhold står (opbygget på samme måde som for siden, hvor man skriver en ny note).</a:t>
+            </a:r>
+          </a:p>
+          <a:p>
+            <a:pPr marL="342900" lvl="0" indent="-342900">
+              <a:spcAft>
+                <a:spcPts val="1200"/>
+              </a:spcAft>
+              <a:buFont typeface="+mj-lt"/>
+              <a:buAutoNum type="arabicParenR"/>
+            </a:pPr>
+            <a:r>
+              <a:rPr lang="da-DK" dirty="0"/>
+              <a:t>Brugeren kan tilføje ændringer til noten og trykke ”Submit”-knappen for at gemme ændringerne til noten.</a:t>
+            </a:r>
+          </a:p>
+          <a:p>
+            <a:pPr marL="342900" indent="-342900">
+              <a:spcAft>
+                <a:spcPts val="1200"/>
+              </a:spcAft>
+              <a:buFont typeface="+mj-lt"/>
+              <a:buAutoNum type="arabicParenR"/>
+            </a:pPr>
+            <a:r>
+              <a:rPr lang="da-DK" dirty="0"/>
+              <a:t>Programmet går ind i databasen og tilføjer ændringerne og navigerer tilbage til faget, hvor den nye note også bliver vist.</a:t>
+            </a:r>
+          </a:p>
+        </p:txBody>
+      </p:sp>
+      <p:sp>
+        <p:nvSpPr>
+          <p:cNvPr id="5" name="Text Placeholder 27">
+            <a:extLst>
+              <a:ext uri="{FF2B5EF4-FFF2-40B4-BE49-F238E27FC236}">
+                <a16:creationId xmlns:a16="http://schemas.microsoft.com/office/drawing/2014/main" id="{DA1A0B11-E57A-41F8-9887-578C0B30B2B6}"/>
+              </a:ext>
+            </a:extLst>
+          </p:cNvPr>
+          <p:cNvSpPr txBox="1">
+            <a:spLocks/>
+          </p:cNvSpPr>
           <p:nvPr/>
-        </p:nvPicPr>
-        <p:blipFill>
-          <a:blip r:embed="rId2">
-            <a:extLst>
-              <a:ext uri="{28A0092B-C50C-407E-A947-70E740481C1C}">
-                <a14:useLocalDpi xmlns:a14="http://schemas.microsoft.com/office/drawing/2010/main" val="0"/>
-              </a:ext>
-            </a:extLst>
-          </a:blip>
-          <a:stretch>
-            <a:fillRect/>
-          </a:stretch>
-        </p:blipFill>
-        <p:spPr>
-          <a:xfrm>
-            <a:off x="3719117" y="2554722"/>
-            <a:ext cx="4753764" cy="3857060"/>
+        </p:nvSpPr>
+        <p:spPr>
+          <a:xfrm>
+            <a:off x="414444" y="1317043"/>
+            <a:ext cx="11363111" cy="868846"/>
           </a:xfrm>
           <a:prstGeom prst="rect">
             <a:avLst/>
           </a:prstGeom>
         </p:spPr>
-      </p:pic>
+        <p:txBody>
+          <a:bodyPr anchor="ctr"/>
+          <a:lstStyle>
+            <a:lvl1pPr marL="0" indent="0" algn="ctr" defTabSz="914400" rtl="0" eaLnBrk="1" latinLnBrk="0" hangingPunct="1">
+              <a:lnSpc>
+                <a:spcPct val="90000"/>
+              </a:lnSpc>
+              <a:spcBef>
+                <a:spcPts val="1000"/>
+              </a:spcBef>
+              <a:buFont typeface="Arial" panose="020B0604020202020204" pitchFamily="34" charset="0"/>
+              <a:buNone/>
+              <a:defRPr sz="3600" kern="1200">
+                <a:solidFill>
+                  <a:schemeClr val="tx1"/>
+                </a:solidFill>
+                <a:latin typeface="+mj-lt"/>
+                <a:ea typeface="+mn-ea"/>
+                <a:cs typeface="+mn-cs"/>
+              </a:defRPr>
+            </a:lvl1pPr>
+            <a:lvl2pPr marL="685800" indent="-228600" algn="l" defTabSz="914400" rtl="0" eaLnBrk="1" latinLnBrk="0" hangingPunct="1">
+              <a:lnSpc>
+                <a:spcPct val="90000"/>
+              </a:lnSpc>
+              <a:spcBef>
+                <a:spcPts val="500"/>
+              </a:spcBef>
+              <a:buFont typeface="Arial" panose="020B0604020202020204" pitchFamily="34" charset="0"/>
+              <a:buChar char="•"/>
+              <a:defRPr sz="2400" kern="1200">
+                <a:solidFill>
+                  <a:schemeClr val="tx1"/>
+                </a:solidFill>
+                <a:latin typeface="+mn-lt"/>
+                <a:ea typeface="+mn-ea"/>
+                <a:cs typeface="+mn-cs"/>
+              </a:defRPr>
+            </a:lvl2pPr>
+            <a:lvl3pPr marL="1143000" indent="-228600" algn="l" defTabSz="914400" rtl="0" eaLnBrk="1" latinLnBrk="0" hangingPunct="1">
+              <a:lnSpc>
+                <a:spcPct val="90000"/>
+              </a:lnSpc>
+              <a:spcBef>
+                <a:spcPts val="500"/>
+              </a:spcBef>
+              <a:buFont typeface="Arial" panose="020B0604020202020204" pitchFamily="34" charset="0"/>
+              <a:buChar char="•"/>
+              <a:defRPr sz="2000" kern="1200">
+                <a:solidFill>
+                  <a:schemeClr val="tx1"/>
+                </a:solidFill>
+                <a:latin typeface="+mn-lt"/>
+                <a:ea typeface="+mn-ea"/>
+                <a:cs typeface="+mn-cs"/>
+              </a:defRPr>
+            </a:lvl3pPr>
+            <a:lvl4pPr marL="1600200" indent="-228600" algn="l" defTabSz="914400" rtl="0" eaLnBrk="1" latinLnBrk="0" hangingPunct="1">
+              <a:lnSpc>
+                <a:spcPct val="90000"/>
+              </a:lnSpc>
+              <a:spcBef>
+                <a:spcPts val="500"/>
+              </a:spcBef>
+              <a:buFont typeface="Arial" panose="020B0604020202020204" pitchFamily="34" charset="0"/>
+              <a:buChar char="•"/>
+              <a:defRPr sz="1800" kern="1200">
+                <a:solidFill>
+                  <a:schemeClr val="tx1"/>
+                </a:solidFill>
+                <a:latin typeface="+mn-lt"/>
+                <a:ea typeface="+mn-ea"/>
+                <a:cs typeface="+mn-cs"/>
+              </a:defRPr>
+            </a:lvl4pPr>
+            <a:lvl5pPr marL="2057400" indent="-228600" algn="l" defTabSz="914400" rtl="0" eaLnBrk="1" latinLnBrk="0" hangingPunct="1">
+              <a:lnSpc>
+                <a:spcPct val="90000"/>
+              </a:lnSpc>
+              <a:spcBef>
+                <a:spcPts val="500"/>
+              </a:spcBef>
+              <a:buFont typeface="Arial" panose="020B0604020202020204" pitchFamily="34" charset="0"/>
+              <a:buChar char="•"/>
+              <a:defRPr sz="1800" kern="1200">
+                <a:solidFill>
+                  <a:schemeClr val="tx1"/>
+                </a:solidFill>
+                <a:latin typeface="+mn-lt"/>
+                <a:ea typeface="+mn-ea"/>
+                <a:cs typeface="+mn-cs"/>
+              </a:defRPr>
+            </a:lvl5pPr>
+            <a:lvl6pPr marL="2514600" indent="-228600" algn="l" defTabSz="914400" rtl="0" eaLnBrk="1" latinLnBrk="0" hangingPunct="1">
+              <a:lnSpc>
+                <a:spcPct val="90000"/>
+              </a:lnSpc>
+              <a:spcBef>
+                <a:spcPts val="500"/>
+              </a:spcBef>
+              <a:buFont typeface="Arial" panose="020B0604020202020204" pitchFamily="34" charset="0"/>
+              <a:buChar char="•"/>
+              <a:defRPr sz="1800" kern="1200">
+                <a:solidFill>
+                  <a:schemeClr val="tx1"/>
+                </a:solidFill>
+                <a:latin typeface="+mn-lt"/>
+                <a:ea typeface="+mn-ea"/>
+                <a:cs typeface="+mn-cs"/>
+              </a:defRPr>
+            </a:lvl6pPr>
+            <a:lvl7pPr marL="2971800" indent="-228600" algn="l" defTabSz="914400" rtl="0" eaLnBrk="1" latinLnBrk="0" hangingPunct="1">
+              <a:lnSpc>
+                <a:spcPct val="90000"/>
+              </a:lnSpc>
+              <a:spcBef>
+                <a:spcPts val="500"/>
+              </a:spcBef>
+              <a:buFont typeface="Arial" panose="020B0604020202020204" pitchFamily="34" charset="0"/>
+              <a:buChar char="•"/>
+              <a:defRPr sz="1800" kern="1200">
+                <a:solidFill>
+                  <a:schemeClr val="tx1"/>
+                </a:solidFill>
+                <a:latin typeface="+mn-lt"/>
+                <a:ea typeface="+mn-ea"/>
+                <a:cs typeface="+mn-cs"/>
+              </a:defRPr>
+            </a:lvl7pPr>
+            <a:lvl8pPr marL="3429000" indent="-228600" algn="l" defTabSz="914400" rtl="0" eaLnBrk="1" latinLnBrk="0" hangingPunct="1">
+              <a:lnSpc>
+                <a:spcPct val="90000"/>
+              </a:lnSpc>
+              <a:spcBef>
+                <a:spcPts val="500"/>
+              </a:spcBef>
+              <a:buFont typeface="Arial" panose="020B0604020202020204" pitchFamily="34" charset="0"/>
+              <a:buChar char="•"/>
+              <a:defRPr sz="1800" kern="1200">
+                <a:solidFill>
+                  <a:schemeClr val="tx1"/>
+                </a:solidFill>
+                <a:latin typeface="+mn-lt"/>
+                <a:ea typeface="+mn-ea"/>
+                <a:cs typeface="+mn-cs"/>
+              </a:defRPr>
+            </a:lvl8pPr>
+            <a:lvl9pPr marL="3886200" indent="-228600" algn="l" defTabSz="914400" rtl="0" eaLnBrk="1" latinLnBrk="0" hangingPunct="1">
+              <a:lnSpc>
+                <a:spcPct val="90000"/>
+              </a:lnSpc>
+              <a:spcBef>
+                <a:spcPts val="500"/>
+              </a:spcBef>
+              <a:buFont typeface="Arial" panose="020B0604020202020204" pitchFamily="34" charset="0"/>
+              <a:buChar char="•"/>
+              <a:defRPr sz="1800" kern="1200">
+                <a:solidFill>
+                  <a:schemeClr val="tx1"/>
+                </a:solidFill>
+                <a:latin typeface="+mn-lt"/>
+                <a:ea typeface="+mn-ea"/>
+                <a:cs typeface="+mn-cs"/>
+              </a:defRPr>
+            </a:lvl9pPr>
+          </a:lstStyle>
+          <a:p>
+            <a:r>
+              <a:rPr lang="da-DK" sz="4000" dirty="0">
+                <a:solidFill>
+                  <a:schemeClr val="accent1"/>
+                </a:solidFill>
+              </a:rPr>
+              <a:t>Brugerhistorien</a:t>
+            </a:r>
+          </a:p>
+        </p:txBody>
+      </p:sp>
     </p:spTree>
     <p:extLst>
       <p:ext uri="{BB962C8B-B14F-4D97-AF65-F5344CB8AC3E}">
-        <p14:creationId xmlns:p14="http://schemas.microsoft.com/office/powerpoint/2010/main" val="2396163137"/>
+        <p14:creationId xmlns:p14="http://schemas.microsoft.com/office/powerpoint/2010/main" val="3951104365"/>
       </p:ext>
     </p:extLst>
   </p:cSld>
@@ -13216,6 +13779,163 @@
       </p:grpSpPr>
       <p:sp>
         <p:nvSpPr>
+          <p:cNvPr id="3" name="TextBox 2">
+            <a:extLst>
+              <a:ext uri="{FF2B5EF4-FFF2-40B4-BE49-F238E27FC236}">
+                <a16:creationId xmlns:a16="http://schemas.microsoft.com/office/drawing/2014/main" id="{75C57614-2FB8-4657-8ED5-BEA0D32B6813}"/>
+              </a:ext>
+            </a:extLst>
+          </p:cNvPr>
+          <p:cNvSpPr txBox="1"/>
+          <p:nvPr/>
+        </p:nvSpPr>
+        <p:spPr>
+          <a:xfrm>
+            <a:off x="1885575" y="-1009423"/>
+            <a:ext cx="8420847" cy="3970318"/>
+          </a:xfrm>
+          <a:prstGeom prst="rect">
+            <a:avLst/>
+          </a:prstGeom>
+          <a:noFill/>
+        </p:spPr>
+        <p:txBody>
+          <a:bodyPr wrap="square" rtlCol="0">
+            <a:spAutoFit/>
+          </a:bodyPr>
+          <a:lstStyle/>
+          <a:p>
+            <a:pPr marL="342900" lvl="0" indent="-342900">
+              <a:spcAft>
+                <a:spcPts val="1200"/>
+              </a:spcAft>
+              <a:buFont typeface="+mj-lt"/>
+              <a:buAutoNum type="arabicParenR"/>
+            </a:pPr>
+            <a:r>
+              <a:rPr lang="da-DK" dirty="0">
+                <a:solidFill>
+                  <a:srgbClr val="1A242E"/>
+                </a:solidFill>
+              </a:rPr>
+              <a:t>Når brugeren er logget ind, klikker brugeren på det fag, som noten ligger i.</a:t>
+            </a:r>
+          </a:p>
+          <a:p>
+            <a:pPr marL="342900" lvl="0" indent="-342900">
+              <a:spcAft>
+                <a:spcPts val="1200"/>
+              </a:spcAft>
+              <a:buFont typeface="+mj-lt"/>
+              <a:buAutoNum type="arabicParenR"/>
+            </a:pPr>
+            <a:r>
+              <a:rPr lang="da-DK" dirty="0">
+                <a:solidFill>
+                  <a:srgbClr val="1A242E"/>
+                </a:solidFill>
+              </a:rPr>
+              <a:t>Programmet navigerer til det fags side.</a:t>
+            </a:r>
+          </a:p>
+          <a:p>
+            <a:pPr marL="342900" lvl="0" indent="-342900">
+              <a:spcAft>
+                <a:spcPts val="1200"/>
+              </a:spcAft>
+              <a:buFont typeface="+mj-lt"/>
+              <a:buAutoNum type="arabicParenR"/>
+            </a:pPr>
+            <a:r>
+              <a:rPr lang="da-DK" dirty="0">
+                <a:solidFill>
+                  <a:srgbClr val="1A242E"/>
+                </a:solidFill>
+              </a:rPr>
+              <a:t>Brugeren klikker på den note i listen, som skal redigeres.</a:t>
+            </a:r>
+          </a:p>
+          <a:p>
+            <a:pPr marL="342900" lvl="0" indent="-342900">
+              <a:spcAft>
+                <a:spcPts val="1200"/>
+              </a:spcAft>
+              <a:buFont typeface="+mj-lt"/>
+              <a:buAutoNum type="arabicParenR"/>
+            </a:pPr>
+            <a:r>
+              <a:rPr lang="da-DK" dirty="0">
+                <a:solidFill>
+                  <a:srgbClr val="1A242E"/>
+                </a:solidFill>
+              </a:rPr>
+              <a:t>Programmet navigerer til en side, hvor noten bliver vist.</a:t>
+            </a:r>
+          </a:p>
+          <a:p>
+            <a:pPr marL="342900" lvl="0" indent="-342900">
+              <a:spcAft>
+                <a:spcPts val="1200"/>
+              </a:spcAft>
+              <a:buFont typeface="+mj-lt"/>
+              <a:buAutoNum type="arabicParenR"/>
+            </a:pPr>
+            <a:r>
+              <a:rPr lang="da-DK" dirty="0">
+                <a:solidFill>
+                  <a:srgbClr val="1A242E"/>
+                </a:solidFill>
+              </a:rPr>
+              <a:t>Brugeren klikker på ”Edit ”-knappen.</a:t>
+            </a:r>
+          </a:p>
+          <a:p>
+            <a:pPr marL="342900" lvl="0" indent="-342900">
+              <a:spcAft>
+                <a:spcPts val="1200"/>
+              </a:spcAft>
+              <a:buFont typeface="+mj-lt"/>
+              <a:buAutoNum type="arabicParenR"/>
+            </a:pPr>
+            <a:r>
+              <a:rPr lang="da-DK" dirty="0">
+                <a:solidFill>
+                  <a:srgbClr val="1A242E"/>
+                </a:solidFill>
+              </a:rPr>
+              <a:t>Programmet navigerer til en redigeringsside, hvor notens indhold står (opbygget på samme måde som for siden, hvor man skriver en ny note).</a:t>
+            </a:r>
+          </a:p>
+          <a:p>
+            <a:pPr marL="342900" lvl="0" indent="-342900">
+              <a:spcAft>
+                <a:spcPts val="1200"/>
+              </a:spcAft>
+              <a:buFont typeface="+mj-lt"/>
+              <a:buAutoNum type="arabicParenR"/>
+            </a:pPr>
+            <a:r>
+              <a:rPr lang="da-DK" sz="1400" dirty="0"/>
+              <a:t>Brugeren kan tilføje ændringer til noten og trykke ”Submit”-knappen for at gemme ændringerne til noten.</a:t>
+            </a:r>
+          </a:p>
+          <a:p>
+            <a:pPr marL="342900" indent="-342900">
+              <a:spcAft>
+                <a:spcPts val="1200"/>
+              </a:spcAft>
+              <a:buFont typeface="+mj-lt"/>
+              <a:buAutoNum type="arabicParenR"/>
+            </a:pPr>
+            <a:r>
+              <a:rPr lang="da-DK" sz="1400" dirty="0"/>
+              <a:t>Programmet går ind i databasen og tilføjer ændringerne og navigerer tilbage til faget, hvor den nye note også bliver vist.</a:t>
+            </a:r>
+          </a:p>
+        </p:txBody>
+      </p:sp>
+      <p:sp>
+        <p:nvSpPr>
           <p:cNvPr id="28" name="Text Placeholder 27">
             <a:extLst>
               <a:ext uri="{FF2B5EF4-FFF2-40B4-BE49-F238E27FC236}">
@@ -13246,17 +13966,568 @@
                   <a:schemeClr val="accent1"/>
                 </a:solidFill>
               </a:rPr>
-              <a:t>Fremtidige forbedringer</a:t>
+              <a:t>Test af programmet</a:t>
             </a:r>
           </a:p>
         </p:txBody>
       </p:sp>
       <p:sp>
         <p:nvSpPr>
+          <p:cNvPr id="5" name="Text Placeholder 27">
+            <a:extLst>
+              <a:ext uri="{FF2B5EF4-FFF2-40B4-BE49-F238E27FC236}">
+                <a16:creationId xmlns:a16="http://schemas.microsoft.com/office/drawing/2014/main" id="{DA1A0B11-E57A-41F8-9887-578C0B30B2B6}"/>
+              </a:ext>
+            </a:extLst>
+          </p:cNvPr>
+          <p:cNvSpPr txBox="1">
+            <a:spLocks/>
+          </p:cNvSpPr>
+          <p:nvPr/>
+        </p:nvSpPr>
+        <p:spPr>
+          <a:xfrm>
+            <a:off x="414444" y="1078783"/>
+            <a:ext cx="11363111" cy="868846"/>
+          </a:xfrm>
+          <a:prstGeom prst="rect">
+            <a:avLst/>
+          </a:prstGeom>
+        </p:spPr>
+        <p:txBody>
+          <a:bodyPr anchor="ctr"/>
+          <a:lstStyle>
+            <a:lvl1pPr marL="0" indent="0" algn="ctr" defTabSz="914400" rtl="0" eaLnBrk="1" latinLnBrk="0" hangingPunct="1">
+              <a:lnSpc>
+                <a:spcPct val="90000"/>
+              </a:lnSpc>
+              <a:spcBef>
+                <a:spcPts val="1000"/>
+              </a:spcBef>
+              <a:buFont typeface="Arial" panose="020B0604020202020204" pitchFamily="34" charset="0"/>
+              <a:buNone/>
+              <a:defRPr sz="3600" kern="1200">
+                <a:solidFill>
+                  <a:schemeClr val="tx1"/>
+                </a:solidFill>
+                <a:latin typeface="+mj-lt"/>
+                <a:ea typeface="+mn-ea"/>
+                <a:cs typeface="+mn-cs"/>
+              </a:defRPr>
+            </a:lvl1pPr>
+            <a:lvl2pPr marL="685800" indent="-228600" algn="l" defTabSz="914400" rtl="0" eaLnBrk="1" latinLnBrk="0" hangingPunct="1">
+              <a:lnSpc>
+                <a:spcPct val="90000"/>
+              </a:lnSpc>
+              <a:spcBef>
+                <a:spcPts val="500"/>
+              </a:spcBef>
+              <a:buFont typeface="Arial" panose="020B0604020202020204" pitchFamily="34" charset="0"/>
+              <a:buChar char="•"/>
+              <a:defRPr sz="2400" kern="1200">
+                <a:solidFill>
+                  <a:schemeClr val="tx1"/>
+                </a:solidFill>
+                <a:latin typeface="+mn-lt"/>
+                <a:ea typeface="+mn-ea"/>
+                <a:cs typeface="+mn-cs"/>
+              </a:defRPr>
+            </a:lvl2pPr>
+            <a:lvl3pPr marL="1143000" indent="-228600" algn="l" defTabSz="914400" rtl="0" eaLnBrk="1" latinLnBrk="0" hangingPunct="1">
+              <a:lnSpc>
+                <a:spcPct val="90000"/>
+              </a:lnSpc>
+              <a:spcBef>
+                <a:spcPts val="500"/>
+              </a:spcBef>
+              <a:buFont typeface="Arial" panose="020B0604020202020204" pitchFamily="34" charset="0"/>
+              <a:buChar char="•"/>
+              <a:defRPr sz="2000" kern="1200">
+                <a:solidFill>
+                  <a:schemeClr val="tx1"/>
+                </a:solidFill>
+                <a:latin typeface="+mn-lt"/>
+                <a:ea typeface="+mn-ea"/>
+                <a:cs typeface="+mn-cs"/>
+              </a:defRPr>
+            </a:lvl3pPr>
+            <a:lvl4pPr marL="1600200" indent="-228600" algn="l" defTabSz="914400" rtl="0" eaLnBrk="1" latinLnBrk="0" hangingPunct="1">
+              <a:lnSpc>
+                <a:spcPct val="90000"/>
+              </a:lnSpc>
+              <a:spcBef>
+                <a:spcPts val="500"/>
+              </a:spcBef>
+              <a:buFont typeface="Arial" panose="020B0604020202020204" pitchFamily="34" charset="0"/>
+              <a:buChar char="•"/>
+              <a:defRPr sz="1800" kern="1200">
+                <a:solidFill>
+                  <a:schemeClr val="tx1"/>
+                </a:solidFill>
+                <a:latin typeface="+mn-lt"/>
+                <a:ea typeface="+mn-ea"/>
+                <a:cs typeface="+mn-cs"/>
+              </a:defRPr>
+            </a:lvl4pPr>
+            <a:lvl5pPr marL="2057400" indent="-228600" algn="l" defTabSz="914400" rtl="0" eaLnBrk="1" latinLnBrk="0" hangingPunct="1">
+              <a:lnSpc>
+                <a:spcPct val="90000"/>
+              </a:lnSpc>
+              <a:spcBef>
+                <a:spcPts val="500"/>
+              </a:spcBef>
+              <a:buFont typeface="Arial" panose="020B0604020202020204" pitchFamily="34" charset="0"/>
+              <a:buChar char="•"/>
+              <a:defRPr sz="1800" kern="1200">
+                <a:solidFill>
+                  <a:schemeClr val="tx1"/>
+                </a:solidFill>
+                <a:latin typeface="+mn-lt"/>
+                <a:ea typeface="+mn-ea"/>
+                <a:cs typeface="+mn-cs"/>
+              </a:defRPr>
+            </a:lvl5pPr>
+            <a:lvl6pPr marL="2514600" indent="-228600" algn="l" defTabSz="914400" rtl="0" eaLnBrk="1" latinLnBrk="0" hangingPunct="1">
+              <a:lnSpc>
+                <a:spcPct val="90000"/>
+              </a:lnSpc>
+              <a:spcBef>
+                <a:spcPts val="500"/>
+              </a:spcBef>
+              <a:buFont typeface="Arial" panose="020B0604020202020204" pitchFamily="34" charset="0"/>
+              <a:buChar char="•"/>
+              <a:defRPr sz="1800" kern="1200">
+                <a:solidFill>
+                  <a:schemeClr val="tx1"/>
+                </a:solidFill>
+                <a:latin typeface="+mn-lt"/>
+                <a:ea typeface="+mn-ea"/>
+                <a:cs typeface="+mn-cs"/>
+              </a:defRPr>
+            </a:lvl6pPr>
+            <a:lvl7pPr marL="2971800" indent="-228600" algn="l" defTabSz="914400" rtl="0" eaLnBrk="1" latinLnBrk="0" hangingPunct="1">
+              <a:lnSpc>
+                <a:spcPct val="90000"/>
+              </a:lnSpc>
+              <a:spcBef>
+                <a:spcPts val="500"/>
+              </a:spcBef>
+              <a:buFont typeface="Arial" panose="020B0604020202020204" pitchFamily="34" charset="0"/>
+              <a:buChar char="•"/>
+              <a:defRPr sz="1800" kern="1200">
+                <a:solidFill>
+                  <a:schemeClr val="tx1"/>
+                </a:solidFill>
+                <a:latin typeface="+mn-lt"/>
+                <a:ea typeface="+mn-ea"/>
+                <a:cs typeface="+mn-cs"/>
+              </a:defRPr>
+            </a:lvl7pPr>
+            <a:lvl8pPr marL="3429000" indent="-228600" algn="l" defTabSz="914400" rtl="0" eaLnBrk="1" latinLnBrk="0" hangingPunct="1">
+              <a:lnSpc>
+                <a:spcPct val="90000"/>
+              </a:lnSpc>
+              <a:spcBef>
+                <a:spcPts val="500"/>
+              </a:spcBef>
+              <a:buFont typeface="Arial" panose="020B0604020202020204" pitchFamily="34" charset="0"/>
+              <a:buChar char="•"/>
+              <a:defRPr sz="1800" kern="1200">
+                <a:solidFill>
+                  <a:schemeClr val="tx1"/>
+                </a:solidFill>
+                <a:latin typeface="+mn-lt"/>
+                <a:ea typeface="+mn-ea"/>
+                <a:cs typeface="+mn-cs"/>
+              </a:defRPr>
+            </a:lvl8pPr>
+            <a:lvl9pPr marL="3886200" indent="-228600" algn="l" defTabSz="914400" rtl="0" eaLnBrk="1" latinLnBrk="0" hangingPunct="1">
+              <a:lnSpc>
+                <a:spcPct val="90000"/>
+              </a:lnSpc>
+              <a:spcBef>
+                <a:spcPts val="500"/>
+              </a:spcBef>
+              <a:buFont typeface="Arial" panose="020B0604020202020204" pitchFamily="34" charset="0"/>
+              <a:buChar char="•"/>
+              <a:defRPr sz="1800" kern="1200">
+                <a:solidFill>
+                  <a:schemeClr val="tx1"/>
+                </a:solidFill>
+                <a:latin typeface="+mn-lt"/>
+                <a:ea typeface="+mn-ea"/>
+                <a:cs typeface="+mn-cs"/>
+              </a:defRPr>
+            </a:lvl9pPr>
+          </a:lstStyle>
+          <a:p>
+            <a:r>
+              <a:rPr lang="da-DK" sz="2800" dirty="0">
+                <a:solidFill>
+                  <a:schemeClr val="accent1"/>
+                </a:solidFill>
+              </a:rPr>
+              <a:t>Brugerhistorien</a:t>
+            </a:r>
+          </a:p>
+        </p:txBody>
+      </p:sp>
+      <p:pic>
+        <p:nvPicPr>
+          <p:cNvPr id="1026" name="Picture 2">
+            <a:extLst>
+              <a:ext uri="{FF2B5EF4-FFF2-40B4-BE49-F238E27FC236}">
+                <a16:creationId xmlns:a16="http://schemas.microsoft.com/office/drawing/2014/main" id="{4B6C9546-107A-40BD-9870-8623AA5B9032}"/>
+              </a:ext>
+            </a:extLst>
+          </p:cNvPr>
+          <p:cNvPicPr>
+            <a:picLocks noChangeAspect="1" noChangeArrowheads="1"/>
+          </p:cNvPicPr>
+          <p:nvPr/>
+        </p:nvPicPr>
+        <p:blipFill>
+          <a:blip r:embed="rId2">
+            <a:extLst>
+              <a:ext uri="{28A0092B-C50C-407E-A947-70E740481C1C}">
+                <a14:useLocalDpi xmlns:a14="http://schemas.microsoft.com/office/drawing/2010/main" val="0"/>
+              </a:ext>
+            </a:extLst>
+          </a:blip>
+          <a:srcRect/>
+          <a:stretch>
+            <a:fillRect/>
+          </a:stretch>
+        </p:blipFill>
+        <p:spPr bwMode="auto">
+          <a:xfrm>
+            <a:off x="6253255" y="3082422"/>
+            <a:ext cx="4274297" cy="1008794"/>
+          </a:xfrm>
+          <a:prstGeom prst="rect">
+            <a:avLst/>
+          </a:prstGeom>
+          <a:noFill/>
+          <a:extLst>
+            <a:ext uri="{909E8E84-426E-40DD-AFC4-6F175D3DCCD1}">
+              <a14:hiddenFill xmlns:a14="http://schemas.microsoft.com/office/drawing/2010/main">
+                <a:solidFill>
+                  <a:srgbClr val="FFFFFF"/>
+                </a:solidFill>
+              </a14:hiddenFill>
+            </a:ext>
+          </a:extLst>
+        </p:spPr>
+      </p:pic>
+      <p:pic>
+        <p:nvPicPr>
+          <p:cNvPr id="1028" name="Picture 4">
+            <a:extLst>
+              <a:ext uri="{FF2B5EF4-FFF2-40B4-BE49-F238E27FC236}">
+                <a16:creationId xmlns:a16="http://schemas.microsoft.com/office/drawing/2014/main" id="{D68D0282-A767-418D-9F17-3AFC313B56A4}"/>
+              </a:ext>
+            </a:extLst>
+          </p:cNvPr>
+          <p:cNvPicPr>
+            <a:picLocks noChangeAspect="1" noChangeArrowheads="1"/>
+          </p:cNvPicPr>
+          <p:nvPr/>
+        </p:nvPicPr>
+        <p:blipFill>
+          <a:blip r:embed="rId3">
+            <a:extLst>
+              <a:ext uri="{28A0092B-C50C-407E-A947-70E740481C1C}">
+                <a14:useLocalDpi xmlns:a14="http://schemas.microsoft.com/office/drawing/2010/main" val="0"/>
+              </a:ext>
+            </a:extLst>
+          </a:blip>
+          <a:srcRect/>
+          <a:stretch>
+            <a:fillRect/>
+          </a:stretch>
+        </p:blipFill>
+        <p:spPr bwMode="auto">
+          <a:xfrm>
+            <a:off x="1219199" y="3082422"/>
+            <a:ext cx="4876801" cy="2105124"/>
+          </a:xfrm>
+          <a:prstGeom prst="rect">
+            <a:avLst/>
+          </a:prstGeom>
+          <a:noFill/>
+          <a:extLst>
+            <a:ext uri="{909E8E84-426E-40DD-AFC4-6F175D3DCCD1}">
+              <a14:hiddenFill xmlns:a14="http://schemas.microsoft.com/office/drawing/2010/main">
+                <a:solidFill>
+                  <a:srgbClr val="FFFFFF"/>
+                </a:solidFill>
+              </a14:hiddenFill>
+            </a:ext>
+          </a:extLst>
+        </p:spPr>
+      </p:pic>
+      <p:pic>
+        <p:nvPicPr>
+          <p:cNvPr id="1030" name="Picture 6">
+            <a:extLst>
+              <a:ext uri="{FF2B5EF4-FFF2-40B4-BE49-F238E27FC236}">
+                <a16:creationId xmlns:a16="http://schemas.microsoft.com/office/drawing/2014/main" id="{7816D4B7-D23A-4FAC-BA4F-52BF284474EC}"/>
+              </a:ext>
+            </a:extLst>
+          </p:cNvPr>
+          <p:cNvPicPr>
+            <a:picLocks noChangeAspect="1" noChangeArrowheads="1"/>
+          </p:cNvPicPr>
+          <p:nvPr/>
+        </p:nvPicPr>
+        <p:blipFill>
+          <a:blip r:embed="rId4">
+            <a:extLst>
+              <a:ext uri="{28A0092B-C50C-407E-A947-70E740481C1C}">
+                <a14:useLocalDpi xmlns:a14="http://schemas.microsoft.com/office/drawing/2010/main" val="0"/>
+              </a:ext>
+            </a:extLst>
+          </a:blip>
+          <a:srcRect/>
+          <a:stretch>
+            <a:fillRect/>
+          </a:stretch>
+        </p:blipFill>
+        <p:spPr bwMode="auto">
+          <a:xfrm>
+            <a:off x="6253255" y="4217145"/>
+            <a:ext cx="4274297" cy="968541"/>
+          </a:xfrm>
+          <a:prstGeom prst="rect">
+            <a:avLst/>
+          </a:prstGeom>
+          <a:noFill/>
+          <a:extLst>
+            <a:ext uri="{909E8E84-426E-40DD-AFC4-6F175D3DCCD1}">
+              <a14:hiddenFill xmlns:a14="http://schemas.microsoft.com/office/drawing/2010/main">
+                <a:solidFill>
+                  <a:srgbClr val="FFFFFF"/>
+                </a:solidFill>
+              </a14:hiddenFill>
+            </a:ext>
+          </a:extLst>
+        </p:spPr>
+      </p:pic>
+      <p:pic>
+        <p:nvPicPr>
+          <p:cNvPr id="1032" name="Picture 8">
+            <a:extLst>
+              <a:ext uri="{FF2B5EF4-FFF2-40B4-BE49-F238E27FC236}">
+                <a16:creationId xmlns:a16="http://schemas.microsoft.com/office/drawing/2014/main" id="{CBA83B36-6098-486C-B2A9-AD7B479E75FB}"/>
+              </a:ext>
+            </a:extLst>
+          </p:cNvPr>
+          <p:cNvPicPr>
+            <a:picLocks noChangeAspect="1" noChangeArrowheads="1"/>
+          </p:cNvPicPr>
+          <p:nvPr/>
+        </p:nvPicPr>
+        <p:blipFill>
+          <a:blip r:embed="rId5">
+            <a:extLst>
+              <a:ext uri="{28A0092B-C50C-407E-A947-70E740481C1C}">
+                <a14:useLocalDpi xmlns:a14="http://schemas.microsoft.com/office/drawing/2010/main" val="0"/>
+              </a:ext>
+            </a:extLst>
+          </a:blip>
+          <a:srcRect/>
+          <a:stretch>
+            <a:fillRect/>
+          </a:stretch>
+        </p:blipFill>
+        <p:spPr bwMode="auto">
+          <a:xfrm>
+            <a:off x="1010021" y="2982514"/>
+            <a:ext cx="9753604" cy="3270042"/>
+          </a:xfrm>
+          <a:prstGeom prst="rect">
+            <a:avLst/>
+          </a:prstGeom>
+          <a:noFill/>
+          <a:extLst>
+            <a:ext uri="{909E8E84-426E-40DD-AFC4-6F175D3DCCD1}">
+              <a14:hiddenFill xmlns:a14="http://schemas.microsoft.com/office/drawing/2010/main">
+                <a:solidFill>
+                  <a:srgbClr val="FFFFFF"/>
+                </a:solidFill>
+              </a14:hiddenFill>
+            </a:ext>
+          </a:extLst>
+        </p:spPr>
+      </p:pic>
+    </p:spTree>
+    <p:extLst>
+      <p:ext uri="{BB962C8B-B14F-4D97-AF65-F5344CB8AC3E}">
+        <p14:creationId xmlns:p14="http://schemas.microsoft.com/office/powerpoint/2010/main" val="860367993"/>
+      </p:ext>
+    </p:extLst>
+  </p:cSld>
+  <p:clrMapOvr>
+    <a:masterClrMapping/>
+  </p:clrMapOvr>
+  <mc:AlternateContent xmlns:mc="http://schemas.openxmlformats.org/markup-compatibility/2006" xmlns:p14="http://schemas.microsoft.com/office/powerpoint/2010/main">
+    <mc:Choice Requires="p14">
+      <p:transition spd="med" p14:dur="700">
+        <p:fade/>
+      </p:transition>
+    </mc:Choice>
+    <mc:Fallback xmlns="">
+      <p:transition spd="med">
+        <p:fade/>
+      </p:transition>
+    </mc:Fallback>
+  </mc:AlternateContent>
+  <p:timing>
+    <p:tnLst>
+      <p:par>
+        <p:cTn id="1" dur="indefinite" restart="never" nodeType="tmRoot">
+          <p:childTnLst>
+            <p:seq concurrent="1" nextAc="seek">
+              <p:cTn id="2" dur="indefinite" nodeType="mainSeq">
+                <p:childTnLst>
+                  <p:par>
+                    <p:cTn id="3" fill="hold">
+                      <p:stCondLst>
+                        <p:cond delay="indefinite"/>
+                      </p:stCondLst>
+                      <p:childTnLst>
+                        <p:par>
+                          <p:cTn id="4" fill="hold">
+                            <p:stCondLst>
+                              <p:cond delay="0"/>
+                            </p:stCondLst>
+                            <p:childTnLst>
+                              <p:par>
+                                <p:cTn id="5" presetID="10" presetClass="entr" presetSubtype="0" fill="hold" nodeType="clickEffect">
+                                  <p:stCondLst>
+                                    <p:cond delay="0"/>
+                                  </p:stCondLst>
+                                  <p:childTnLst>
+                                    <p:set>
+                                      <p:cBhvr>
+                                        <p:cTn id="6" dur="1" fill="hold">
+                                          <p:stCondLst>
+                                            <p:cond delay="0"/>
+                                          </p:stCondLst>
+                                        </p:cTn>
+                                        <p:tgtEl>
+                                          <p:spTgt spid="1032"/>
+                                        </p:tgtEl>
+                                        <p:attrNameLst>
+                                          <p:attrName>style.visibility</p:attrName>
+                                        </p:attrNameLst>
+                                      </p:cBhvr>
+                                      <p:to>
+                                        <p:strVal val="visible"/>
+                                      </p:to>
+                                    </p:set>
+                                    <p:animEffect transition="in" filter="fade">
+                                      <p:cBhvr>
+                                        <p:cTn id="7" dur="500"/>
+                                        <p:tgtEl>
+                                          <p:spTgt spid="1032"/>
+                                        </p:tgtEl>
+                                      </p:cBhvr>
+                                    </p:animEffect>
+                                  </p:childTnLst>
+                                </p:cTn>
+                              </p:par>
+                            </p:childTnLst>
+                          </p:cTn>
+                        </p:par>
+                      </p:childTnLst>
+                    </p:cTn>
+                  </p:par>
+                </p:childTnLst>
+              </p:cTn>
+              <p:prevCondLst>
+                <p:cond evt="onPrev" delay="0">
+                  <p:tgtEl>
+                    <p:sldTgt/>
+                  </p:tgtEl>
+                </p:cond>
+              </p:prevCondLst>
+              <p:nextCondLst>
+                <p:cond evt="onNext" delay="0">
+                  <p:tgtEl>
+                    <p:sldTgt/>
+                  </p:tgtEl>
+                </p:cond>
+              </p:nextCondLst>
+            </p:seq>
+          </p:childTnLst>
+        </p:cTn>
+      </p:par>
+    </p:tnLst>
+  </p:timing>
+</p:sld>
+</file>
+
+<file path=ppt/slides/slide8.xml><?xml version="1.0" encoding="utf-8"?>
+<p:sld xmlns:a="http://schemas.openxmlformats.org/drawingml/2006/main" xmlns:r="http://schemas.openxmlformats.org/officeDocument/2006/relationships" xmlns:p="http://schemas.openxmlformats.org/presentationml/2006/main">
+  <p:cSld>
+    <p:spTree>
+      <p:nvGrpSpPr>
+        <p:cNvPr id="1" name=""/>
+        <p:cNvGrpSpPr/>
+        <p:nvPr/>
+      </p:nvGrpSpPr>
+      <p:grpSpPr>
+        <a:xfrm>
+          <a:off x="0" y="0"/>
+          <a:ext cx="0" cy="0"/>
+          <a:chOff x="0" y="0"/>
+          <a:chExt cx="0" cy="0"/>
+        </a:xfrm>
+      </p:grpSpPr>
+      <p:sp>
+        <p:nvSpPr>
+          <p:cNvPr id="28" name="Text Placeholder 27">
+            <a:extLst>
+              <a:ext uri="{FF2B5EF4-FFF2-40B4-BE49-F238E27FC236}">
+                <a16:creationId xmlns:a16="http://schemas.microsoft.com/office/drawing/2014/main" id="{DB49EC7C-3FF2-4661-98F5-83B2D8A96317}"/>
+              </a:ext>
+            </a:extLst>
+          </p:cNvPr>
+          <p:cNvSpPr>
+            <a:spLocks noGrp="1"/>
+          </p:cNvSpPr>
+          <p:nvPr>
+            <p:ph type="body" sz="quarter" idx="10"/>
+          </p:nvPr>
+        </p:nvSpPr>
+        <p:spPr>
+          <a:xfrm>
+            <a:off x="414444" y="446218"/>
+            <a:ext cx="11363111" cy="868846"/>
+          </a:xfrm>
+        </p:spPr>
+        <p:txBody>
+          <a:bodyPr/>
+          <a:lstStyle/>
+          <a:p>
+            <a:r>
+              <a:rPr lang="da-DK" sz="6600" dirty="0">
+                <a:solidFill>
+                  <a:schemeClr val="accent1"/>
+                </a:solidFill>
+              </a:rPr>
+              <a:t>Test af programmet</a:t>
+            </a:r>
+          </a:p>
+        </p:txBody>
+      </p:sp>
+      <p:sp>
+        <p:nvSpPr>
           <p:cNvPr id="3" name="TextBox 2">
             <a:extLst>
               <a:ext uri="{FF2B5EF4-FFF2-40B4-BE49-F238E27FC236}">
-                <a16:creationId xmlns:a16="http://schemas.microsoft.com/office/drawing/2014/main" id="{C83643C6-08DE-41AE-AB15-E548D06308D0}"/>
+                <a16:creationId xmlns:a16="http://schemas.microsoft.com/office/drawing/2014/main" id="{75C57614-2FB8-4657-8ED5-BEA0D32B6813}"/>
               </a:ext>
             </a:extLst>
           </p:cNvPr>
@@ -13266,7 +14537,7 @@
         <p:spPr>
           <a:xfrm>
             <a:off x="1565835" y="1936376"/>
-            <a:ext cx="8420847" cy="1754326"/>
+            <a:ext cx="8420847" cy="369332"/>
           </a:xfrm>
           <a:prstGeom prst="rect">
             <a:avLst/>
@@ -13285,40 +14556,17 @@
             </a:pPr>
             <a:r>
               <a:rPr lang="da-DK" dirty="0"/>
-              <a:t>Søgefunktion</a:t>
-            </a:r>
-            <a:br>
-              <a:rPr lang="da-DK" dirty="0"/>
-            </a:br>
-            <a:br>
-              <a:rPr lang="da-DK" dirty="0"/>
-            </a:br>
-            <a:br>
-              <a:rPr lang="da-DK" dirty="0"/>
-            </a:br>
-            <a:br>
-              <a:rPr lang="da-DK" dirty="0"/>
-            </a:br>
-            <a:endParaRPr lang="da-DK" dirty="0"/>
-          </a:p>
-          <a:p>
-            <a:pPr marL="285750" indent="-285750">
-              <a:buFont typeface="Wingdings" panose="05000000000000000000" pitchFamily="2" charset="2"/>
-              <a:buChar char="v"/>
-            </a:pPr>
-            <a:r>
-              <a:rPr lang="da-DK" dirty="0"/>
-              <a:t>Neurale netværk til sortering af noter</a:t>
+              <a:t>Sideløbende tests – test af idéer i en ”test.py”-fil</a:t>
             </a:r>
           </a:p>
         </p:txBody>
       </p:sp>
       <p:pic>
         <p:nvPicPr>
-          <p:cNvPr id="2" name="Picture 1">
-            <a:extLst>
-              <a:ext uri="{FF2B5EF4-FFF2-40B4-BE49-F238E27FC236}">
-                <a16:creationId xmlns:a16="http://schemas.microsoft.com/office/drawing/2014/main" id="{4FE7844C-BFF7-4CB1-9DCA-58769CCC7777}"/>
+          <p:cNvPr id="6" name="Picture 5" descr="A screenshot of a cell phone&#10;&#10;Description automatically generated">
+            <a:extLst>
+              <a:ext uri="{FF2B5EF4-FFF2-40B4-BE49-F238E27FC236}">
+                <a16:creationId xmlns:a16="http://schemas.microsoft.com/office/drawing/2014/main" id="{12EE3653-3412-482A-B712-664412D7CC35}"/>
               </a:ext>
             </a:extLst>
           </p:cNvPr>
@@ -13327,15 +14575,22 @@
           </p:cNvPicPr>
           <p:nvPr/>
         </p:nvPicPr>
-        <p:blipFill rotWithShape="1">
-          <a:blip r:embed="rId2"/>
-          <a:srcRect l="44475" r="487" b="52923"/>
-          <a:stretch/>
+        <p:blipFill>
+          <a:blip r:embed="rId2">
+            <a:extLst>
+              <a:ext uri="{28A0092B-C50C-407E-A947-70E740481C1C}">
+                <a14:useLocalDpi xmlns:a14="http://schemas.microsoft.com/office/drawing/2010/main" val="0"/>
+              </a:ext>
+            </a:extLst>
+          </a:blip>
+          <a:stretch>
+            <a:fillRect/>
+          </a:stretch>
         </p:blipFill>
         <p:spPr>
           <a:xfrm>
-            <a:off x="7290033" y="2019744"/>
-            <a:ext cx="3649212" cy="1587590"/>
+            <a:off x="3719117" y="2554722"/>
+            <a:ext cx="4753764" cy="3857060"/>
           </a:xfrm>
           <a:prstGeom prst="rect">
             <a:avLst/>
@@ -13345,7 +14600,7 @@
     </p:spTree>
     <p:extLst>
       <p:ext uri="{BB962C8B-B14F-4D97-AF65-F5344CB8AC3E}">
-        <p14:creationId xmlns:p14="http://schemas.microsoft.com/office/powerpoint/2010/main" val="2159174528"/>
+        <p14:creationId xmlns:p14="http://schemas.microsoft.com/office/powerpoint/2010/main" val="2396163137"/>
       </p:ext>
     </p:extLst>
   </p:cSld>
@@ -13367,7 +14622,7 @@
 </p:sld>
 </file>
 
-<file path=ppt/slides/slide8.xml><?xml version="1.0" encoding="utf-8"?>
+<file path=ppt/slides/slide9.xml><?xml version="1.0" encoding="utf-8"?>
 <p:sld xmlns:a="http://schemas.openxmlformats.org/drawingml/2006/main" xmlns:r="http://schemas.openxmlformats.org/officeDocument/2006/relationships" xmlns:p="http://schemas.openxmlformats.org/presentationml/2006/main">
   <p:cSld>
     <p:spTree>
@@ -13386,50 +14641,6 @@
       </p:grpSpPr>
       <p:sp>
         <p:nvSpPr>
-          <p:cNvPr id="29" name="Text Placeholder 28">
-            <a:extLst>
-              <a:ext uri="{FF2B5EF4-FFF2-40B4-BE49-F238E27FC236}">
-                <a16:creationId xmlns:a16="http://schemas.microsoft.com/office/drawing/2014/main" id="{9D3B666F-A44D-4EA1-B3AC-488629CA20A7}"/>
-              </a:ext>
-            </a:extLst>
-          </p:cNvPr>
-          <p:cNvSpPr>
-            <a:spLocks noGrp="1"/>
-          </p:cNvSpPr>
-          <p:nvPr>
-            <p:ph type="body" sz="quarter" idx="11"/>
-          </p:nvPr>
-        </p:nvSpPr>
-        <p:spPr>
-          <a:xfrm>
-            <a:off x="1598295" y="3451144"/>
-            <a:ext cx="8995410" cy="588220"/>
-          </a:xfrm>
-        </p:spPr>
-        <p:txBody>
-          <a:bodyPr/>
-          <a:lstStyle/>
-          <a:p>
-            <a:pPr>
-              <a:lnSpc>
-                <a:spcPct val="150000"/>
-              </a:lnSpc>
-            </a:pPr>
-            <a:r>
-              <a:rPr lang="da-DK" sz="1800" dirty="0">
-                <a:solidFill>
-                  <a:schemeClr val="tx1"/>
-                </a:solidFill>
-                <a:ea typeface="Open Sans" panose="020B0606030504020204" pitchFamily="34" charset="0"/>
-                <a:cs typeface="Open Sans" panose="020B0606030504020204" pitchFamily="34" charset="0"/>
-              </a:rPr>
-              <a:t>Det var alt for nu</a:t>
-            </a:r>
-          </a:p>
-        </p:txBody>
-      </p:sp>
-      <p:sp>
-        <p:nvSpPr>
           <p:cNvPr id="28" name="Text Placeholder 27">
             <a:extLst>
               <a:ext uri="{FF2B5EF4-FFF2-40B4-BE49-F238E27FC236}">
@@ -13446,8 +14657,8 @@
         </p:nvSpPr>
         <p:spPr>
           <a:xfrm>
-            <a:off x="415273" y="2478280"/>
-            <a:ext cx="11363111" cy="1378069"/>
+            <a:off x="414444" y="446218"/>
+            <a:ext cx="11363111" cy="868846"/>
           </a:xfrm>
         </p:spPr>
         <p:txBody>
@@ -13455,12 +14666,223 @@
           <a:lstStyle/>
           <a:p>
             <a:r>
-              <a:rPr lang="da-DK" sz="8000" dirty="0">
+              <a:rPr lang="da-DK" sz="6600" dirty="0">
                 <a:solidFill>
                   <a:schemeClr val="accent1"/>
                 </a:solidFill>
               </a:rPr>
-              <a:t>Tak!</a:t>
+              <a:t>Mål for </a:t>
+            </a:r>
+            <a:r>
+              <a:rPr lang="da-DK" sz="6600" dirty="0" err="1">
+                <a:solidFill>
+                  <a:schemeClr val="accent1"/>
+                </a:solidFill>
+              </a:rPr>
+              <a:t>progammet</a:t>
+            </a:r>
+            <a:r>
+              <a:rPr lang="da-DK" sz="6600" dirty="0">
+                <a:solidFill>
+                  <a:schemeClr val="accent1"/>
+                </a:solidFill>
+              </a:rPr>
+              <a:t> </a:t>
+            </a:r>
+            <a:r>
+              <a:rPr lang="da-DK" sz="6600" dirty="0" err="1">
+                <a:solidFill>
+                  <a:schemeClr val="accent1"/>
+                </a:solidFill>
+              </a:rPr>
+              <a:t>vs</a:t>
+            </a:r>
+            <a:r>
+              <a:rPr lang="da-DK" sz="6600" dirty="0">
+                <a:solidFill>
+                  <a:schemeClr val="accent1"/>
+                </a:solidFill>
+              </a:rPr>
+              <a:t> realitet</a:t>
+            </a:r>
+          </a:p>
+        </p:txBody>
+      </p:sp>
+      <p:sp>
+        <p:nvSpPr>
+          <p:cNvPr id="3" name="TextBox 2">
+            <a:extLst>
+              <a:ext uri="{FF2B5EF4-FFF2-40B4-BE49-F238E27FC236}">
+                <a16:creationId xmlns:a16="http://schemas.microsoft.com/office/drawing/2014/main" id="{75C57614-2FB8-4657-8ED5-BEA0D32B6813}"/>
+              </a:ext>
+            </a:extLst>
+          </p:cNvPr>
+          <p:cNvSpPr txBox="1"/>
+          <p:nvPr/>
+        </p:nvSpPr>
+        <p:spPr>
+          <a:xfrm>
+            <a:off x="1885575" y="1456579"/>
+            <a:ext cx="8420847" cy="5109091"/>
+          </a:xfrm>
+          <a:prstGeom prst="rect">
+            <a:avLst/>
+          </a:prstGeom>
+          <a:noFill/>
+        </p:spPr>
+        <p:txBody>
+          <a:bodyPr wrap="square" rtlCol="0">
+            <a:spAutoFit/>
+          </a:bodyPr>
+          <a:lstStyle/>
+          <a:p>
+            <a:pPr marL="285750" indent="-285750">
+              <a:spcBef>
+                <a:spcPts val="1200"/>
+              </a:spcBef>
+              <a:buFont typeface="Wingdings" panose="05000000000000000000" pitchFamily="2" charset="2"/>
+              <a:buChar char="v"/>
+            </a:pPr>
+            <a:r>
+              <a:rPr lang="da-DK" dirty="0"/>
+              <a:t>Skrive og gemme noter</a:t>
+            </a:r>
+          </a:p>
+          <a:p>
+            <a:pPr marL="742950" lvl="1" indent="-285750">
+              <a:spcBef>
+                <a:spcPts val="1200"/>
+              </a:spcBef>
+              <a:buFont typeface="Wingdings" panose="05000000000000000000" pitchFamily="2" charset="2"/>
+              <a:buChar char="v"/>
+            </a:pPr>
+            <a:r>
+              <a:rPr lang="da-DK" dirty="0"/>
+              <a:t>Muligt at skrive notater og gemme på hjemmesiden.</a:t>
+            </a:r>
+          </a:p>
+          <a:p>
+            <a:pPr marL="742950" lvl="1" indent="-285750">
+              <a:spcBef>
+                <a:spcPts val="1200"/>
+              </a:spcBef>
+              <a:buFont typeface="Wingdings" panose="05000000000000000000" pitchFamily="2" charset="2"/>
+              <a:buChar char="v"/>
+            </a:pPr>
+            <a:r>
+              <a:rPr lang="da-DK" dirty="0"/>
+              <a:t>Muligt på alle enheder</a:t>
+            </a:r>
+          </a:p>
+          <a:p>
+            <a:pPr marL="1200150" lvl="2" indent="-285750">
+              <a:spcBef>
+                <a:spcPts val="1200"/>
+              </a:spcBef>
+              <a:buFont typeface="Wingdings" panose="05000000000000000000" pitchFamily="2" charset="2"/>
+              <a:buChar char="v"/>
+            </a:pPr>
+            <a:r>
+              <a:rPr lang="da-DK" dirty="0"/>
+              <a:t>Optimeret til andre layouts</a:t>
+            </a:r>
+          </a:p>
+          <a:p>
+            <a:pPr marL="742950" lvl="1" indent="-285750">
+              <a:spcBef>
+                <a:spcPts val="1200"/>
+              </a:spcBef>
+              <a:buFont typeface="Wingdings" panose="05000000000000000000" pitchFamily="2" charset="2"/>
+              <a:buChar char="v"/>
+            </a:pPr>
+            <a:endParaRPr lang="da-DK" dirty="0"/>
+          </a:p>
+          <a:p>
+            <a:pPr marL="285750" indent="-285750">
+              <a:spcBef>
+                <a:spcPts val="1200"/>
+              </a:spcBef>
+              <a:buFont typeface="Wingdings" panose="05000000000000000000" pitchFamily="2" charset="2"/>
+              <a:buChar char="v"/>
+            </a:pPr>
+            <a:r>
+              <a:rPr lang="da-DK" dirty="0"/>
+              <a:t>Automatisk sortering</a:t>
+            </a:r>
+          </a:p>
+          <a:p>
+            <a:pPr marL="742950" lvl="1" indent="-285750">
+              <a:spcBef>
+                <a:spcPts val="1200"/>
+              </a:spcBef>
+              <a:buFont typeface="Wingdings" panose="05000000000000000000" pitchFamily="2" charset="2"/>
+              <a:buChar char="v"/>
+            </a:pPr>
+            <a:r>
+              <a:rPr lang="da-DK" dirty="0"/>
+              <a:t>Sorterer automatisk efter indholdet</a:t>
+            </a:r>
+          </a:p>
+          <a:p>
+            <a:pPr marL="742950" lvl="1" indent="-285750">
+              <a:spcBef>
+                <a:spcPts val="1200"/>
+              </a:spcBef>
+              <a:buFont typeface="Wingdings" panose="05000000000000000000" pitchFamily="2" charset="2"/>
+              <a:buChar char="v"/>
+            </a:pPr>
+            <a:r>
+              <a:rPr lang="da-DK" dirty="0"/>
+              <a:t>*Sorterer kun efter Mat, Dan, Byg pga. data.</a:t>
+            </a:r>
+          </a:p>
+          <a:p>
+            <a:pPr marL="742950" lvl="1" indent="-285750">
+              <a:spcBef>
+                <a:spcPts val="1200"/>
+              </a:spcBef>
+              <a:buFont typeface="Wingdings" panose="05000000000000000000" pitchFamily="2" charset="2"/>
+              <a:buChar char="v"/>
+            </a:pPr>
+            <a:endParaRPr lang="da-DK" dirty="0"/>
+          </a:p>
+          <a:p>
+            <a:pPr marL="285750" indent="-285750">
+              <a:spcBef>
+                <a:spcPts val="1200"/>
+              </a:spcBef>
+              <a:buFont typeface="Wingdings" panose="05000000000000000000" pitchFamily="2" charset="2"/>
+              <a:buChar char="v"/>
+            </a:pPr>
+            <a:r>
+              <a:rPr lang="da-DK" dirty="0"/>
+              <a:t>Nem adgang til hver note</a:t>
+            </a:r>
+          </a:p>
+          <a:p>
+            <a:pPr marL="742950" lvl="1" indent="-285750">
+              <a:spcBef>
+                <a:spcPts val="1200"/>
+              </a:spcBef>
+              <a:buFont typeface="Wingdings" panose="05000000000000000000" pitchFamily="2" charset="2"/>
+              <a:buChar char="v"/>
+            </a:pPr>
+            <a:r>
+              <a:rPr lang="da-DK" dirty="0"/>
+              <a:t>Placeret overskueligt i hver sit fag</a:t>
+            </a:r>
+          </a:p>
+          <a:p>
+            <a:pPr marL="742950" lvl="1" indent="-285750">
+              <a:spcBef>
+                <a:spcPts val="1200"/>
+              </a:spcBef>
+              <a:buFont typeface="Wingdings" panose="05000000000000000000" pitchFamily="2" charset="2"/>
+              <a:buChar char="v"/>
+            </a:pPr>
+            <a:r>
+              <a:rPr lang="da-DK" dirty="0"/>
+              <a:t>*Mangler søgefunktion</a:t>
             </a:r>
           </a:p>
         </p:txBody>
@@ -13468,7 +14890,7 @@
     </p:spTree>
     <p:extLst>
       <p:ext uri="{BB962C8B-B14F-4D97-AF65-F5344CB8AC3E}">
-        <p14:creationId xmlns:p14="http://schemas.microsoft.com/office/powerpoint/2010/main" val="2525510272"/>
+        <p14:creationId xmlns:p14="http://schemas.microsoft.com/office/powerpoint/2010/main" val="56785871"/>
       </p:ext>
     </p:extLst>
   </p:cSld>
